--- a/thesis/evaporation/graphs/PvsT.pptx
+++ b/thesis/evaporation/graphs/PvsT.pptx
@@ -6,6 +6,8 @@
   </p:sldMasterIdLst>
   <p:sldIdLst>
     <p:sldId id="256" r:id="rId2"/>
+    <p:sldId id="257" r:id="rId3"/>
+    <p:sldId id="259" r:id="rId4"/>
   </p:sldIdLst>
   <p:sldSz cx="12192000" cy="6858000"/>
   <p:notesSz cx="6858000" cy="9144000"/>
@@ -1811,6 +1813,4081 @@
 </c:chartSpace>
 </file>
 
+<file path=ppt/charts/chart2.xml><?xml version="1.0" encoding="utf-8"?>
+<c:chartSpace xmlns:c="http://schemas.openxmlformats.org/drawingml/2006/chart" xmlns:a="http://schemas.openxmlformats.org/drawingml/2006/main" xmlns:r="http://schemas.openxmlformats.org/officeDocument/2006/relationships" xmlns:c16r2="http://schemas.microsoft.com/office/drawing/2015/06/chart">
+  <c:date1904 val="0"/>
+  <c:lang val="en-US"/>
+  <c:roundedCorners val="0"/>
+  <mc:AlternateContent xmlns:mc="http://schemas.openxmlformats.org/markup-compatibility/2006">
+    <mc:Choice xmlns:c14="http://schemas.microsoft.com/office/drawing/2007/8/2/chart" Requires="c14">
+      <c14:style val="118"/>
+    </mc:Choice>
+    <mc:Fallback>
+      <c:style val="18"/>
+    </mc:Fallback>
+  </mc:AlternateContent>
+  <c:chart>
+    <c:autoTitleDeleted val="1"/>
+    <c:plotArea>
+      <c:layout>
+        <c:manualLayout>
+          <c:layoutTarget val="inner"/>
+          <c:xMode val="edge"/>
+          <c:yMode val="edge"/>
+          <c:x val="0.244459562432638"/>
+          <c:y val="4.8517520215633402E-2"/>
+          <c:w val="0.729075781394806"/>
+          <c:h val="0.88948787061994605"/>
+        </c:manualLayout>
+      </c:layout>
+      <c:scatterChart>
+        <c:scatterStyle val="smoothMarker"/>
+        <c:varyColors val="0"/>
+        <c:ser>
+          <c:idx val="0"/>
+          <c:order val="0"/>
+          <c:tx>
+            <c:v>n =1</c:v>
+          </c:tx>
+          <c:marker>
+            <c:symbol val="none"/>
+          </c:marker>
+          <c:xVal>
+            <c:numRef>
+              <c:f>工作表1!$F$2:$F$30</c:f>
+              <c:numCache>
+                <c:formatCode>General</c:formatCode>
+                <c:ptCount val="29"/>
+                <c:pt idx="0">
+                  <c:v>291.57480000000004</c:v>
+                </c:pt>
+                <c:pt idx="1">
+                  <c:v>316.41660000000002</c:v>
+                </c:pt>
+                <c:pt idx="2">
+                  <c:v>345.72059999999999</c:v>
+                </c:pt>
+                <c:pt idx="3">
+                  <c:v>363.56940000000003</c:v>
+                </c:pt>
+                <c:pt idx="4">
+                  <c:v>376.28999999999996</c:v>
+                </c:pt>
+                <c:pt idx="5">
+                  <c:v>392.80680000000001</c:v>
+                </c:pt>
+                <c:pt idx="6">
+                  <c:v>401.13179999999994</c:v>
+                </c:pt>
+                <c:pt idx="7">
+                  <c:v>408.12479999999999</c:v>
+                </c:pt>
+                <c:pt idx="8">
+                  <c:v>416.38319999999999</c:v>
+                </c:pt>
+                <c:pt idx="9">
+                  <c:v>425.90699999999998</c:v>
+                </c:pt>
+                <c:pt idx="10">
+                  <c:v>434.23200000000003</c:v>
+                </c:pt>
+                <c:pt idx="11">
+                  <c:v>443.08980000000003</c:v>
+                </c:pt>
+                <c:pt idx="12">
+                  <c:v>450.74879999999996</c:v>
+                </c:pt>
+                <c:pt idx="13">
+                  <c:v>460.33920000000001</c:v>
+                </c:pt>
+                <c:pt idx="14">
+                  <c:v>466.6662</c:v>
+                </c:pt>
+                <c:pt idx="15">
+                  <c:v>471.1284</c:v>
+                </c:pt>
+                <c:pt idx="16">
+                  <c:v>478.78739999999999</c:v>
+                </c:pt>
+                <c:pt idx="17">
+                  <c:v>485.78040000000004</c:v>
+                </c:pt>
+                <c:pt idx="18">
+                  <c:v>494.03880000000004</c:v>
+                </c:pt>
+                <c:pt idx="19">
+                  <c:v>501.69779999999997</c:v>
+                </c:pt>
+                <c:pt idx="20">
+                  <c:v>508.69080000000002</c:v>
+                </c:pt>
+                <c:pt idx="21">
+                  <c:v>515.08439999999996</c:v>
+                </c:pt>
+                <c:pt idx="22">
+                  <c:v>522.67680000000007</c:v>
+                </c:pt>
+                <c:pt idx="23">
+                  <c:v>528.40440000000001</c:v>
+                </c:pt>
+                <c:pt idx="24">
+                  <c:v>534.13200000000006</c:v>
+                </c:pt>
+                <c:pt idx="25">
+                  <c:v>540.52559999999994</c:v>
+                </c:pt>
+                <c:pt idx="26">
+                  <c:v>547.51859999999999</c:v>
+                </c:pt>
+                <c:pt idx="27">
+                  <c:v>557.10900000000004</c:v>
+                </c:pt>
+                <c:pt idx="28">
+                  <c:v>565.96680000000003</c:v>
+                </c:pt>
+              </c:numCache>
+            </c:numRef>
+          </c:xVal>
+          <c:yVal>
+            <c:numRef>
+              <c:f>工作表1!$G$2:$G$30</c:f>
+              <c:numCache>
+                <c:formatCode>General</c:formatCode>
+                <c:ptCount val="29"/>
+                <c:pt idx="0">
+                  <c:v>4.291812687467119</c:v>
+                </c:pt>
+                <c:pt idx="1">
+                  <c:v>4.6897526961391565</c:v>
+                </c:pt>
+                <c:pt idx="2">
+                  <c:v>5.087692704811194</c:v>
+                </c:pt>
+                <c:pt idx="3">
+                  <c:v>5.291812687467119</c:v>
+                </c:pt>
+                <c:pt idx="4">
+                  <c:v>5.4301153856334006</c:v>
+                </c:pt>
+                <c:pt idx="5">
+                  <c:v>5.5928426831311002</c:v>
+                </c:pt>
+                <c:pt idx="6">
+                  <c:v>5.6674763014280041</c:v>
+                </c:pt>
+                <c:pt idx="7">
+                  <c:v>5.7311453812973818</c:v>
+                </c:pt>
+                <c:pt idx="8">
+                  <c:v>5.8036960484459934</c:v>
+                </c:pt>
+                <c:pt idx="9">
+                  <c:v>5.8658439551948378</c:v>
+                </c:pt>
+                <c:pt idx="10">
+                  <c:v>5.9450252012424629</c:v>
+                </c:pt>
+                <c:pt idx="11">
+                  <c:v>6.011971990873076</c:v>
+                </c:pt>
+                <c:pt idx="12">
+                  <c:v>6.0699639378507628</c:v>
+                </c:pt>
+                <c:pt idx="13">
+                  <c:v>6.1369107274813759</c:v>
+                </c:pt>
+                <c:pt idx="14">
+                  <c:v>6.1811143899734295</c:v>
+                </c:pt>
+                <c:pt idx="15">
+                  <c:v>6.2082666360170444</c:v>
+                </c:pt>
+                <c:pt idx="16">
+                  <c:v>6.2579544202061514</c:v>
+                </c:pt>
+                <c:pt idx="17">
+                  <c:v>6.3025365528588919</c:v>
+                </c:pt>
+                <c:pt idx="18">
+                  <c:v>6.3525105278207308</c:v>
+                </c:pt>
+                <c:pt idx="19">
+                  <c:v>6.3973228722370932</c:v>
+                </c:pt>
+                <c:pt idx="20">
+                  <c:v>6.4379407231453571</c:v>
+                </c:pt>
+                <c:pt idx="21">
+                  <c:v>6.4750825311499236</c:v>
+                </c:pt>
+                <c:pt idx="22">
+                  <c:v>6.5158274988399834</c:v>
+                </c:pt>
+                <c:pt idx="23">
+                  <c:v>6.5470851925704254</c:v>
+                </c:pt>
+                <c:pt idx="24">
+                  <c:v>6.5762434213116387</c:v>
+                </c:pt>
+                <c:pt idx="25">
+                  <c:v>6.6088307885152302</c:v>
+                </c:pt>
+                <c:pt idx="26">
+                  <c:v>6.6439952055784817</c:v>
+                </c:pt>
+                <c:pt idx="27">
+                  <c:v>6.6897526961391565</c:v>
+                </c:pt>
+                <c:pt idx="28">
+                  <c:v>6.7311453812973818</c:v>
+                </c:pt>
+              </c:numCache>
+            </c:numRef>
+          </c:yVal>
+          <c:smooth val="1"/>
+          <c:extLst>
+            <c:ext xmlns:c16="http://schemas.microsoft.com/office/drawing/2014/chart" uri="{C3380CC4-5D6E-409C-BE32-E72D297353CC}">
+              <c16:uniqueId val="{00000000-568D-4347-8F2C-F766473C71CA}"/>
+            </c:ext>
+          </c:extLst>
+        </c:ser>
+        <c:ser>
+          <c:idx val="1"/>
+          <c:order val="1"/>
+          <c:tx>
+            <c:v>n =2</c:v>
+          </c:tx>
+          <c:marker>
+            <c:symbol val="none"/>
+          </c:marker>
+          <c:xVal>
+            <c:numRef>
+              <c:f>工作表1!$M$2:$M$30</c:f>
+              <c:numCache>
+                <c:formatCode>General</c:formatCode>
+                <c:ptCount val="29"/>
+                <c:pt idx="0">
+                  <c:v>335.73059999999998</c:v>
+                </c:pt>
+                <c:pt idx="1">
+                  <c:v>351.71460000000002</c:v>
+                </c:pt>
+                <c:pt idx="2">
+                  <c:v>361.17180000000002</c:v>
+                </c:pt>
+                <c:pt idx="3">
+                  <c:v>380.01960000000003</c:v>
+                </c:pt>
+                <c:pt idx="4">
+                  <c:v>398.20139999999998</c:v>
+                </c:pt>
+                <c:pt idx="5">
+                  <c:v>405.46080000000001</c:v>
+                </c:pt>
+                <c:pt idx="6">
+                  <c:v>421.44480000000004</c:v>
+                </c:pt>
+                <c:pt idx="7">
+                  <c:v>435.29759999999999</c:v>
+                </c:pt>
+                <c:pt idx="8">
+                  <c:v>447.61860000000001</c:v>
+                </c:pt>
+                <c:pt idx="9">
+                  <c:v>460.73879999999997</c:v>
+                </c:pt>
+                <c:pt idx="10">
+                  <c:v>473.79240000000004</c:v>
+                </c:pt>
+                <c:pt idx="11">
+                  <c:v>483.98220000000003</c:v>
+                </c:pt>
+                <c:pt idx="12">
+                  <c:v>493.43939999999998</c:v>
+                </c:pt>
+                <c:pt idx="13">
+                  <c:v>501.4314</c:v>
+                </c:pt>
+                <c:pt idx="14">
+                  <c:v>511.55459999999999</c:v>
+                </c:pt>
+                <c:pt idx="15">
+                  <c:v>520.27920000000006</c:v>
+                </c:pt>
+                <c:pt idx="16">
+                  <c:v>531.20159999999998</c:v>
+                </c:pt>
+                <c:pt idx="17">
+                  <c:v>540.65879999999993</c:v>
+                </c:pt>
+                <c:pt idx="18">
+                  <c:v>552.97980000000007</c:v>
+                </c:pt>
+              </c:numCache>
+            </c:numRef>
+          </c:xVal>
+          <c:yVal>
+            <c:numRef>
+              <c:f>工作表1!$N$2:$N$30</c:f>
+              <c:numCache>
+                <c:formatCode>General</c:formatCode>
+                <c:ptCount val="29"/>
+                <c:pt idx="0">
+                  <c:v>3.3887227004751757</c:v>
+                </c:pt>
+                <c:pt idx="1">
+                  <c:v>3.6897526961391565</c:v>
+                </c:pt>
+                <c:pt idx="2">
+                  <c:v>3.8658439551948378</c:v>
+                </c:pt>
+                <c:pt idx="3">
+                  <c:v>4.1668739508588191</c:v>
+                </c:pt>
+                <c:pt idx="4">
+                  <c:v>4.4301153856334006</c:v>
+                </c:pt>
+                <c:pt idx="5">
+                  <c:v>4.5348507361534134</c:v>
+                </c:pt>
+                <c:pt idx="6">
+                  <c:v>4.7311453812973818</c:v>
+                </c:pt>
+                <c:pt idx="7">
+                  <c:v>4.8938726787950815</c:v>
+                </c:pt>
+                <c:pt idx="8">
+                  <c:v>5.0321753769613631</c:v>
+                </c:pt>
+                <c:pt idx="9">
+                  <c:v>5.1668739508588191</c:v>
+                </c:pt>
+                <c:pt idx="10">
+                  <c:v>5.291812687467119</c:v>
+                </c:pt>
+                <c:pt idx="11">
+                  <c:v>5.3887227004751752</c:v>
+                </c:pt>
+                <c:pt idx="12">
+                  <c:v>5.4679039465228003</c:v>
+                </c:pt>
+                <c:pt idx="13">
+                  <c:v>5.5348507361534134</c:v>
+                </c:pt>
+                <c:pt idx="14">
+                  <c:v>5.6191716218534493</c:v>
+                </c:pt>
+                <c:pt idx="15">
+                  <c:v>5.6897526961391565</c:v>
+                </c:pt>
+                <c:pt idx="16">
+                  <c:v>5.7689339421867816</c:v>
+                </c:pt>
+                <c:pt idx="17">
+                  <c:v>5.8358807318173946</c:v>
+                </c:pt>
+                <c:pt idx="18">
+                  <c:v>5.9202016175174306</c:v>
+                </c:pt>
+              </c:numCache>
+            </c:numRef>
+          </c:yVal>
+          <c:smooth val="1"/>
+          <c:extLst>
+            <c:ext xmlns:c16="http://schemas.microsoft.com/office/drawing/2014/chart" uri="{C3380CC4-5D6E-409C-BE32-E72D297353CC}">
+              <c16:uniqueId val="{00000001-568D-4347-8F2C-F766473C71CA}"/>
+            </c:ext>
+          </c:extLst>
+        </c:ser>
+        <c:ser>
+          <c:idx val="2"/>
+          <c:order val="2"/>
+          <c:tx>
+            <c:v>n =3</c:v>
+          </c:tx>
+          <c:marker>
+            <c:symbol val="none"/>
+          </c:marker>
+          <c:xVal>
+            <c:numRef>
+              <c:f>工作表1!$T$2:$T$30</c:f>
+              <c:numCache>
+                <c:formatCode>0.0000_ </c:formatCode>
+                <c:ptCount val="29"/>
+                <c:pt idx="0">
+                  <c:v>328.80420000000004</c:v>
+                </c:pt>
+                <c:pt idx="1">
+                  <c:v>342.99</c:v>
+                </c:pt>
+                <c:pt idx="2">
+                  <c:v>350.84880000000004</c:v>
+                </c:pt>
+                <c:pt idx="3">
+                  <c:v>361.10520000000002</c:v>
+                </c:pt>
+                <c:pt idx="4">
+                  <c:v>365.03460000000001</c:v>
+                </c:pt>
+                <c:pt idx="5">
+                  <c:v>367.36559999999997</c:v>
+                </c:pt>
+                <c:pt idx="6">
+                  <c:v>382.35060000000004</c:v>
+                </c:pt>
+                <c:pt idx="7">
+                  <c:v>398.06819999999999</c:v>
+                </c:pt>
+                <c:pt idx="8">
+                  <c:v>402.79680000000002</c:v>
+                </c:pt>
+                <c:pt idx="9">
+                  <c:v>407.52539999999999</c:v>
+                </c:pt>
+                <c:pt idx="10">
+                  <c:v>412.98660000000001</c:v>
+                </c:pt>
+                <c:pt idx="11">
+                  <c:v>419.31360000000001</c:v>
+                </c:pt>
+                <c:pt idx="12">
+                  <c:v>425.57400000000001</c:v>
+                </c:pt>
+                <c:pt idx="13">
+                  <c:v>431.10179999999997</c:v>
+                </c:pt>
+                <c:pt idx="14">
+                  <c:v>439.75979999999998</c:v>
+                </c:pt>
+                <c:pt idx="15">
+                  <c:v>446.02019999999999</c:v>
+                </c:pt>
+                <c:pt idx="16">
+                  <c:v>453.87900000000002</c:v>
+                </c:pt>
+                <c:pt idx="17">
+                  <c:v>462.53699999999998</c:v>
+                </c:pt>
+                <c:pt idx="18">
+                  <c:v>471.99419999999998</c:v>
+                </c:pt>
+                <c:pt idx="19">
+                  <c:v>479.85300000000001</c:v>
+                </c:pt>
+                <c:pt idx="20">
+                  <c:v>499.56659999999999</c:v>
+                </c:pt>
+                <c:pt idx="21">
+                  <c:v>509.75639999999999</c:v>
+                </c:pt>
+                <c:pt idx="22">
+                  <c:v>519.21359999999993</c:v>
+                </c:pt>
+                <c:pt idx="23">
+                  <c:v>527.87159999999994</c:v>
+                </c:pt>
+              </c:numCache>
+            </c:numRef>
+          </c:xVal>
+          <c:yVal>
+            <c:numRef>
+              <c:f>工作表1!$U$2:$U$30</c:f>
+              <c:numCache>
+                <c:formatCode>General</c:formatCode>
+                <c:ptCount val="29"/>
+                <c:pt idx="0">
+                  <c:v>1.6897526961391567</c:v>
+                </c:pt>
+                <c:pt idx="1">
+                  <c:v>2.0876927048111944</c:v>
+                </c:pt>
+                <c:pt idx="2">
+                  <c:v>2.291812687467119</c:v>
+                </c:pt>
+                <c:pt idx="3">
+                  <c:v>2.5348507361534134</c:v>
+                </c:pt>
+                <c:pt idx="4">
+                  <c:v>2.6191716218534493</c:v>
+                </c:pt>
+                <c:pt idx="5">
+                  <c:v>2.6674763014280045</c:v>
+                </c:pt>
+                <c:pt idx="6">
+                  <c:v>2.9907826918031377</c:v>
+                </c:pt>
+                <c:pt idx="7">
+                  <c:v>3.291812687467119</c:v>
+                </c:pt>
+                <c:pt idx="8">
+                  <c:v>3.3887227004751757</c:v>
+                </c:pt>
+                <c:pt idx="9">
+                  <c:v>3.4679039465228003</c:v>
+                </c:pt>
+                <c:pt idx="10">
+                  <c:v>3.5648139595308566</c:v>
+                </c:pt>
+                <c:pt idx="11">
+                  <c:v>3.6674763014280045</c:v>
+                </c:pt>
+                <c:pt idx="12">
+                  <c:v>3.7689339421867816</c:v>
+                </c:pt>
+                <c:pt idx="13">
+                  <c:v>3.8658439551948378</c:v>
+                </c:pt>
+                <c:pt idx="14">
+                  <c:v>3.9907826918031377</c:v>
+                </c:pt>
+                <c:pt idx="15">
+                  <c:v>4.087692704811194</c:v>
+                </c:pt>
+                <c:pt idx="16">
+                  <c:v>4.1949026744590627</c:v>
+                </c:pt>
+                <c:pt idx="17">
+                  <c:v>4.3130019865370572</c:v>
+                </c:pt>
+                <c:pt idx="18">
+                  <c:v>4.4301153856334006</c:v>
+                </c:pt>
+                <c:pt idx="19">
+                  <c:v>4.5348507361534134</c:v>
+                </c:pt>
+                <c:pt idx="20">
+                  <c:v>4.7579385578853186</c:v>
+                </c:pt>
+                <c:pt idx="21">
+                  <c:v>4.8658439551948378</c:v>
+                </c:pt>
+                <c:pt idx="22">
+                  <c:v>4.9685062970919853</c:v>
+                </c:pt>
+                <c:pt idx="23">
+                  <c:v>5.0514805321567495</c:v>
+                </c:pt>
+              </c:numCache>
+            </c:numRef>
+          </c:yVal>
+          <c:smooth val="1"/>
+          <c:extLst>
+            <c:ext xmlns:c16="http://schemas.microsoft.com/office/drawing/2014/chart" uri="{C3380CC4-5D6E-409C-BE32-E72D297353CC}">
+              <c16:uniqueId val="{00000002-568D-4347-8F2C-F766473C71CA}"/>
+            </c:ext>
+          </c:extLst>
+        </c:ser>
+        <c:ser>
+          <c:idx val="3"/>
+          <c:order val="3"/>
+          <c:tx>
+            <c:v>n =4</c:v>
+          </c:tx>
+          <c:marker>
+            <c:symbol val="none"/>
+          </c:marker>
+          <c:xVal>
+            <c:numRef>
+              <c:f>工作表1!$AA$2:$AA$30</c:f>
+              <c:numCache>
+                <c:formatCode>General</c:formatCode>
+                <c:ptCount val="29"/>
+                <c:pt idx="0">
+                  <c:v>329.2704</c:v>
+                </c:pt>
+                <c:pt idx="1">
+                  <c:v>345.25439999999998</c:v>
+                </c:pt>
+                <c:pt idx="2">
+                  <c:v>356.17680000000001</c:v>
+                </c:pt>
+                <c:pt idx="3">
+                  <c:v>367.0992</c:v>
+                </c:pt>
+                <c:pt idx="4">
+                  <c:v>383.88240000000002</c:v>
+                </c:pt>
+                <c:pt idx="5">
+                  <c:v>392.274</c:v>
+                </c:pt>
+                <c:pt idx="6">
+                  <c:v>408.25799999999998</c:v>
+                </c:pt>
+                <c:pt idx="7">
+                  <c:v>416.64960000000002</c:v>
+                </c:pt>
+                <c:pt idx="8">
+                  <c:v>431.76779999999997</c:v>
+                </c:pt>
+                <c:pt idx="9">
+                  <c:v>437.62860000000001</c:v>
+                </c:pt>
+                <c:pt idx="10">
+                  <c:v>442.69019999999995</c:v>
+                </c:pt>
+                <c:pt idx="11">
+                  <c:v>448.55099999999999</c:v>
+                </c:pt>
+                <c:pt idx="12">
+                  <c:v>460.33920000000001</c:v>
+                </c:pt>
+                <c:pt idx="13">
+                  <c:v>467.86500000000001</c:v>
+                </c:pt>
+                <c:pt idx="14">
+                  <c:v>475.45740000000001</c:v>
+                </c:pt>
+                <c:pt idx="15">
+                  <c:v>483.84900000000005</c:v>
+                </c:pt>
+                <c:pt idx="16">
+                  <c:v>492.24059999999997</c:v>
+                </c:pt>
+                <c:pt idx="17">
+                  <c:v>499.83299999999997</c:v>
+                </c:pt>
+                <c:pt idx="18">
+                  <c:v>514.08540000000005</c:v>
+                </c:pt>
+                <c:pt idx="19">
+                  <c:v>523.34280000000001</c:v>
+                </c:pt>
+                <c:pt idx="20">
+                  <c:v>533.39940000000001</c:v>
+                </c:pt>
+                <c:pt idx="21">
+                  <c:v>543.45600000000002</c:v>
+                </c:pt>
+                <c:pt idx="22">
+                  <c:v>551.84760000000006</c:v>
+                </c:pt>
+              </c:numCache>
+            </c:numRef>
+          </c:xVal>
+          <c:yVal>
+            <c:numRef>
+              <c:f>工作表1!$AB$2:$AB$30</c:f>
+              <c:numCache>
+                <c:formatCode>General</c:formatCode>
+                <c:ptCount val="29"/>
+                <c:pt idx="0">
+                  <c:v>-0.31024730386084332</c:v>
+                </c:pt>
+                <c:pt idx="1">
+                  <c:v>0.29181268746711908</c:v>
+                </c:pt>
+                <c:pt idx="2">
+                  <c:v>0.64399520557848156</c:v>
+                </c:pt>
+                <c:pt idx="3">
+                  <c:v>0.99078269180313783</c:v>
+                </c:pt>
+                <c:pt idx="4">
+                  <c:v>1.4679039465228003</c:v>
+                </c:pt>
+                <c:pt idx="5">
+                  <c:v>1.6897526961391567</c:v>
+                </c:pt>
+                <c:pt idx="6">
+                  <c:v>2.0876927048111944</c:v>
+                </c:pt>
+                <c:pt idx="7">
+                  <c:v>2.291812687467119</c:v>
+                </c:pt>
+                <c:pt idx="8">
+                  <c:v>2.6191716218534493</c:v>
+                </c:pt>
+                <c:pt idx="9">
+                  <c:v>2.7311453812973818</c:v>
+                </c:pt>
+                <c:pt idx="10">
+                  <c:v>2.8358807318173946</c:v>
+                </c:pt>
+                <c:pt idx="11">
+                  <c:v>2.9450252012424629</c:v>
+                </c:pt>
+                <c:pt idx="12">
+                  <c:v>3.1668739508588191</c:v>
+                </c:pt>
+                <c:pt idx="13">
+                  <c:v>3.291812687467119</c:v>
+                </c:pt>
+                <c:pt idx="14">
+                  <c:v>3.4301153856334006</c:v>
+                </c:pt>
+                <c:pt idx="15">
+                  <c:v>3.5648139595308566</c:v>
+                </c:pt>
+                <c:pt idx="16">
+                  <c:v>3.6897526961391565</c:v>
+                </c:pt>
+                <c:pt idx="17">
+                  <c:v>3.8036960484459934</c:v>
+                </c:pt>
+                <c:pt idx="18">
+                  <c:v>4.011971990873076</c:v>
+                </c:pt>
+                <c:pt idx="19">
+                  <c:v>4.1369107274813759</c:v>
+                </c:pt>
+                <c:pt idx="20">
+                  <c:v>4.2695362927559666</c:v>
+                </c:pt>
+                <c:pt idx="21">
+                  <c:v>4.3887227004751752</c:v>
+                </c:pt>
+                <c:pt idx="22">
+                  <c:v>4.4890932455927386</c:v>
+                </c:pt>
+              </c:numCache>
+            </c:numRef>
+          </c:yVal>
+          <c:smooth val="1"/>
+          <c:extLst>
+            <c:ext xmlns:c16="http://schemas.microsoft.com/office/drawing/2014/chart" uri="{C3380CC4-5D6E-409C-BE32-E72D297353CC}">
+              <c16:uniqueId val="{00000003-568D-4347-8F2C-F766473C71CA}"/>
+            </c:ext>
+          </c:extLst>
+        </c:ser>
+        <c:ser>
+          <c:idx val="4"/>
+          <c:order val="4"/>
+          <c:tx>
+            <c:v>n =5</c:v>
+          </c:tx>
+          <c:marker>
+            <c:symbol val="none"/>
+          </c:marker>
+          <c:xVal>
+            <c:numRef>
+              <c:f>工作表1!$AH$2:$AH$30</c:f>
+              <c:numCache>
+                <c:formatCode>General</c:formatCode>
+                <c:ptCount val="29"/>
+                <c:pt idx="0">
+                  <c:v>339.72660000000002</c:v>
+                </c:pt>
+                <c:pt idx="1">
+                  <c:v>353.57940000000002</c:v>
+                </c:pt>
+                <c:pt idx="2">
+                  <c:v>359.64000000000004</c:v>
+                </c:pt>
+                <c:pt idx="3">
+                  <c:v>365.70060000000001</c:v>
+                </c:pt>
+                <c:pt idx="4">
+                  <c:v>383.08320000000003</c:v>
+                </c:pt>
+                <c:pt idx="5">
+                  <c:v>388.27799999999996</c:v>
+                </c:pt>
+                <c:pt idx="6">
+                  <c:v>395.20440000000002</c:v>
+                </c:pt>
+                <c:pt idx="7">
+                  <c:v>402.13080000000002</c:v>
+                </c:pt>
+                <c:pt idx="8">
+                  <c:v>409.05719999999997</c:v>
+                </c:pt>
+                <c:pt idx="9">
+                  <c:v>415.98360000000002</c:v>
+                </c:pt>
+                <c:pt idx="10">
+                  <c:v>424.64159999999998</c:v>
+                </c:pt>
+                <c:pt idx="11">
+                  <c:v>431.56800000000004</c:v>
+                </c:pt>
+                <c:pt idx="12">
+                  <c:v>448.21800000000002</c:v>
+                </c:pt>
+                <c:pt idx="13">
+                  <c:v>457.60860000000002</c:v>
+                </c:pt>
+                <c:pt idx="14">
+                  <c:v>466.26659999999998</c:v>
+                </c:pt>
+                <c:pt idx="15">
+                  <c:v>474.05880000000002</c:v>
+                </c:pt>
+                <c:pt idx="16">
+                  <c:v>486.18</c:v>
+                </c:pt>
+                <c:pt idx="17">
+                  <c:v>495.7038</c:v>
+                </c:pt>
+                <c:pt idx="18">
+                  <c:v>506.16</c:v>
+                </c:pt>
+                <c:pt idx="19">
+                  <c:v>515.68380000000002</c:v>
+                </c:pt>
+                <c:pt idx="20">
+                  <c:v>535.59720000000004</c:v>
+                </c:pt>
+                <c:pt idx="21">
+                  <c:v>547.71839999999997</c:v>
+                </c:pt>
+                <c:pt idx="22">
+                  <c:v>556.37639999999999</c:v>
+                </c:pt>
+              </c:numCache>
+            </c:numRef>
+          </c:xVal>
+          <c:yVal>
+            <c:numRef>
+              <c:f>工作表1!$AI$2:$AI$30</c:f>
+              <c:numCache>
+                <c:formatCode>General</c:formatCode>
+                <c:ptCount val="29"/>
+                <c:pt idx="0">
+                  <c:v>-1.3102473038608433</c:v>
+                </c:pt>
+                <c:pt idx="1">
+                  <c:v>-0.76617925951056776</c:v>
+                </c:pt>
+                <c:pt idx="2">
+                  <c:v>-0.53209605347719968</c:v>
+                </c:pt>
+                <c:pt idx="3">
+                  <c:v>-0.31024730386084332</c:v>
+                </c:pt>
+                <c:pt idx="4">
+                  <c:v>0.29181268746711908</c:v>
+                </c:pt>
+                <c:pt idx="5">
+                  <c:v>0.46790394652280026</c:v>
+                </c:pt>
+                <c:pt idx="6">
+                  <c:v>0.68975269613915657</c:v>
+                </c:pt>
+                <c:pt idx="7">
+                  <c:v>0.89387267879508148</c:v>
+                </c:pt>
+                <c:pt idx="8">
+                  <c:v>1.0876927048111942</c:v>
+                </c:pt>
+                <c:pt idx="9">
+                  <c:v>1.291812687467119</c:v>
+                </c:pt>
+                <c:pt idx="10">
+                  <c:v>1.5026660527820122</c:v>
+                </c:pt>
+                <c:pt idx="11">
+                  <c:v>1.6897526961391567</c:v>
+                </c:pt>
+                <c:pt idx="12">
+                  <c:v>2.0876927048111944</c:v>
+                </c:pt>
+                <c:pt idx="13">
+                  <c:v>2.291812687467119</c:v>
+                </c:pt>
+                <c:pt idx="14">
+                  <c:v>2.4679039465228003</c:v>
+                </c:pt>
+                <c:pt idx="15">
+                  <c:v>2.6439952055784817</c:v>
+                </c:pt>
+                <c:pt idx="16">
+                  <c:v>2.8658439551948378</c:v>
+                </c:pt>
+                <c:pt idx="17">
+                  <c:v>3.0514805321567495</c:v>
+                </c:pt>
+                <c:pt idx="18">
+                  <c:v>3.2338207404894321</c:v>
+                </c:pt>
+                <c:pt idx="19">
+                  <c:v>3.3887227004751757</c:v>
+                </c:pt>
+                <c:pt idx="20">
+                  <c:v>3.6897526961391565</c:v>
+                </c:pt>
+                <c:pt idx="21">
+                  <c:v>3.8658439551948378</c:v>
+                </c:pt>
+                <c:pt idx="22">
+                  <c:v>3.9907826918031377</c:v>
+                </c:pt>
+              </c:numCache>
+            </c:numRef>
+          </c:yVal>
+          <c:smooth val="1"/>
+          <c:extLst>
+            <c:ext xmlns:c16="http://schemas.microsoft.com/office/drawing/2014/chart" uri="{C3380CC4-5D6E-409C-BE32-E72D297353CC}">
+              <c16:uniqueId val="{00000004-568D-4347-8F2C-F766473C71CA}"/>
+            </c:ext>
+          </c:extLst>
+        </c:ser>
+        <c:ser>
+          <c:idx val="5"/>
+          <c:order val="5"/>
+          <c:tx>
+            <c:v>n =6</c:v>
+          </c:tx>
+          <c:marker>
+            <c:symbol val="none"/>
+          </c:marker>
+          <c:xVal>
+            <c:numRef>
+              <c:f>工作表1!$AO$2:$AO$30</c:f>
+              <c:numCache>
+                <c:formatCode>General</c:formatCode>
+                <c:ptCount val="29"/>
+                <c:pt idx="0">
+                  <c:v>342.32400000000001</c:v>
+                </c:pt>
+                <c:pt idx="1">
+                  <c:v>347.51880000000006</c:v>
+                </c:pt>
+                <c:pt idx="2">
+                  <c:v>355.31099999999998</c:v>
+                </c:pt>
+                <c:pt idx="3">
+                  <c:v>363.96899999999999</c:v>
+                </c:pt>
+                <c:pt idx="4">
+                  <c:v>370.09619999999995</c:v>
+                </c:pt>
+                <c:pt idx="5">
+                  <c:v>378.75419999999997</c:v>
+                </c:pt>
+                <c:pt idx="6">
+                  <c:v>389.14380000000006</c:v>
+                </c:pt>
+                <c:pt idx="7">
+                  <c:v>396.0702</c:v>
+                </c:pt>
+                <c:pt idx="8">
+                  <c:v>406.45979999999997</c:v>
+                </c:pt>
+                <c:pt idx="9">
+                  <c:v>418.58099999999996</c:v>
+                </c:pt>
+                <c:pt idx="10">
+                  <c:v>427.23899999999998</c:v>
+                </c:pt>
+                <c:pt idx="11">
+                  <c:v>439.42680000000001</c:v>
+                </c:pt>
+                <c:pt idx="12">
+                  <c:v>454.1454</c:v>
+                </c:pt>
+                <c:pt idx="13">
+                  <c:v>464.53500000000003</c:v>
+                </c:pt>
+                <c:pt idx="14">
+                  <c:v>479.25360000000001</c:v>
+                </c:pt>
+                <c:pt idx="15">
+                  <c:v>497.43540000000002</c:v>
+                </c:pt>
+                <c:pt idx="16">
+                  <c:v>512.22059999999999</c:v>
+                </c:pt>
+                <c:pt idx="17">
+                  <c:v>526.07339999999999</c:v>
+                </c:pt>
+                <c:pt idx="18">
+                  <c:v>534.73140000000001</c:v>
+                </c:pt>
+                <c:pt idx="19">
+                  <c:v>544.25520000000006</c:v>
+                </c:pt>
+                <c:pt idx="20">
+                  <c:v>552.97980000000007</c:v>
+                </c:pt>
+              </c:numCache>
+            </c:numRef>
+          </c:xVal>
+          <c:yVal>
+            <c:numRef>
+              <c:f>工作表1!$AP$2:$AP$30</c:f>
+              <c:numCache>
+                <c:formatCode>General</c:formatCode>
+                <c:ptCount val="29"/>
+                <c:pt idx="0">
+                  <c:v>-2.6112772995248248</c:v>
+                </c:pt>
+                <c:pt idx="1">
+                  <c:v>-2.3560047944215183</c:v>
+                </c:pt>
+                <c:pt idx="2">
+                  <c:v>-2.0092173081968623</c:v>
+                </c:pt>
+                <c:pt idx="3">
+                  <c:v>-1.6112772995248246</c:v>
+                </c:pt>
+                <c:pt idx="4">
+                  <c:v>-1.3560047944215186</c:v>
+                </c:pt>
+                <c:pt idx="5">
+                  <c:v>-1.0092173081968621</c:v>
+                </c:pt>
+                <c:pt idx="6">
+                  <c:v>-0.61127729952482457</c:v>
+                </c:pt>
+                <c:pt idx="7">
+                  <c:v>-0.3560047944215185</c:v>
+                </c:pt>
+                <c:pt idx="8">
+                  <c:v>-9.2173081968621329E-3</c:v>
+                </c:pt>
+                <c:pt idx="9">
+                  <c:v>0.38872270047517538</c:v>
+                </c:pt>
+                <c:pt idx="10">
+                  <c:v>0.64399520557848156</c:v>
+                </c:pt>
+                <c:pt idx="11">
+                  <c:v>0.99078269180313783</c:v>
+                </c:pt>
+                <c:pt idx="12">
+                  <c:v>1.3887227004751754</c:v>
+                </c:pt>
+                <c:pt idx="13">
+                  <c:v>1.6439952055784814</c:v>
+                </c:pt>
+                <c:pt idx="14">
+                  <c:v>1.9907826918031377</c:v>
+                </c:pt>
+                <c:pt idx="15">
+                  <c:v>2.3887227004751757</c:v>
+                </c:pt>
+                <c:pt idx="16">
+                  <c:v>2.6897526961391565</c:v>
+                </c:pt>
+                <c:pt idx="17">
+                  <c:v>2.9450252012424629</c:v>
+                </c:pt>
+                <c:pt idx="18">
+                  <c:v>3.0876927048111944</c:v>
+                </c:pt>
+                <c:pt idx="19">
+                  <c:v>3.2579544202061514</c:v>
+                </c:pt>
+                <c:pt idx="20">
+                  <c:v>3.3887227004751757</c:v>
+                </c:pt>
+              </c:numCache>
+            </c:numRef>
+          </c:yVal>
+          <c:smooth val="1"/>
+          <c:extLst>
+            <c:ext xmlns:c16="http://schemas.microsoft.com/office/drawing/2014/chart" uri="{C3380CC4-5D6E-409C-BE32-E72D297353CC}">
+              <c16:uniqueId val="{00000005-568D-4347-8F2C-F766473C71CA}"/>
+            </c:ext>
+          </c:extLst>
+        </c:ser>
+        <c:ser>
+          <c:idx val="6"/>
+          <c:order val="6"/>
+          <c:tx>
+            <c:v>n =7</c:v>
+          </c:tx>
+          <c:marker>
+            <c:symbol val="none"/>
+          </c:marker>
+          <c:xVal>
+            <c:numRef>
+              <c:f>工作表1!$AV$2:$AV$30</c:f>
+              <c:numCache>
+                <c:formatCode>General</c:formatCode>
+                <c:ptCount val="29"/>
+                <c:pt idx="0">
+                  <c:v>399.53339999999997</c:v>
+                </c:pt>
+                <c:pt idx="1">
+                  <c:v>406.45979999999997</c:v>
+                </c:pt>
+                <c:pt idx="2">
+                  <c:v>415.11779999999999</c:v>
+                </c:pt>
+                <c:pt idx="3">
+                  <c:v>426.3732</c:v>
+                </c:pt>
+                <c:pt idx="4">
+                  <c:v>433.36619999999994</c:v>
+                </c:pt>
+                <c:pt idx="5">
+                  <c:v>443.75580000000002</c:v>
+                </c:pt>
+                <c:pt idx="6">
+                  <c:v>456.74279999999999</c:v>
+                </c:pt>
+                <c:pt idx="7">
+                  <c:v>463.66920000000005</c:v>
+                </c:pt>
+                <c:pt idx="8">
+                  <c:v>477.52199999999999</c:v>
+                </c:pt>
+                <c:pt idx="9">
+                  <c:v>493.10639999999995</c:v>
+                </c:pt>
+                <c:pt idx="10">
+                  <c:v>487.04579999999999</c:v>
+                </c:pt>
+                <c:pt idx="11">
+                  <c:v>499.16700000000003</c:v>
+                </c:pt>
+                <c:pt idx="12">
+                  <c:v>505.29420000000005</c:v>
+                </c:pt>
+                <c:pt idx="13">
+                  <c:v>519.14699999999993</c:v>
+                </c:pt>
+                <c:pt idx="14">
+                  <c:v>526.93920000000003</c:v>
+                </c:pt>
+                <c:pt idx="15">
+                  <c:v>538.19460000000004</c:v>
+                </c:pt>
+                <c:pt idx="16">
+                  <c:v>551.1816</c:v>
+                </c:pt>
+              </c:numCache>
+            </c:numRef>
+          </c:xVal>
+          <c:yVal>
+            <c:numRef>
+              <c:f>工作表1!$AW$2:$AW$30</c:f>
+              <c:numCache>
+                <c:formatCode>General</c:formatCode>
+                <c:ptCount val="29"/>
+                <c:pt idx="0">
+                  <c:v>-1.6112772995248246</c:v>
+                </c:pt>
+                <c:pt idx="1">
+                  <c:v>-1.3560047944215186</c:v>
+                </c:pt>
+                <c:pt idx="2">
+                  <c:v>-1.0092173081968621</c:v>
+                </c:pt>
+                <c:pt idx="3">
+                  <c:v>-0.61127729952482457</c:v>
+                </c:pt>
+                <c:pt idx="4">
+                  <c:v>-0.3560047944215185</c:v>
+                </c:pt>
+                <c:pt idx="5">
+                  <c:v>-9.2173081968621329E-3</c:v>
+                </c:pt>
+                <c:pt idx="6">
+                  <c:v>0.38872270047517538</c:v>
+                </c:pt>
+                <c:pt idx="7">
+                  <c:v>0.59284268313110022</c:v>
+                </c:pt>
+                <c:pt idx="8">
+                  <c:v>0.99078269180313783</c:v>
+                </c:pt>
+                <c:pt idx="9">
+                  <c:v>1.3887227004751754</c:v>
+                </c:pt>
+                <c:pt idx="10">
+                  <c:v>1.2338207404894324</c:v>
+                </c:pt>
+                <c:pt idx="11">
+                  <c:v>1.5348507361534136</c:v>
+                </c:pt>
+                <c:pt idx="12">
+                  <c:v>1.6897526961391567</c:v>
+                </c:pt>
+                <c:pt idx="13">
+                  <c:v>1.9907826918031377</c:v>
+                </c:pt>
+                <c:pt idx="14">
+                  <c:v>2.1668739508588191</c:v>
+                </c:pt>
+                <c:pt idx="15">
+                  <c:v>2.3887227004751757</c:v>
+                </c:pt>
+                <c:pt idx="16">
+                  <c:v>2.6439952055784817</c:v>
+                </c:pt>
+              </c:numCache>
+            </c:numRef>
+          </c:yVal>
+          <c:smooth val="1"/>
+          <c:extLst>
+            <c:ext xmlns:c16="http://schemas.microsoft.com/office/drawing/2014/chart" uri="{C3380CC4-5D6E-409C-BE32-E72D297353CC}">
+              <c16:uniqueId val="{00000006-568D-4347-8F2C-F766473C71CA}"/>
+            </c:ext>
+          </c:extLst>
+        </c:ser>
+        <c:ser>
+          <c:idx val="7"/>
+          <c:order val="7"/>
+          <c:tx>
+            <c:v>n =8</c:v>
+          </c:tx>
+          <c:marker>
+            <c:symbol val="none"/>
+          </c:marker>
+          <c:xVal>
+            <c:numRef>
+              <c:f>工作表1!$BC$2:$BC$30</c:f>
+              <c:numCache>
+                <c:formatCode>General</c:formatCode>
+                <c:ptCount val="29"/>
+                <c:pt idx="0">
+                  <c:v>423.70920000000001</c:v>
+                </c:pt>
+                <c:pt idx="1">
+                  <c:v>430.23599999999999</c:v>
+                </c:pt>
+                <c:pt idx="2">
+                  <c:v>432.10080000000005</c:v>
+                </c:pt>
+                <c:pt idx="3">
+                  <c:v>439.6266</c:v>
+                </c:pt>
+                <c:pt idx="4">
+                  <c:v>450.81539999999995</c:v>
+                </c:pt>
+                <c:pt idx="5">
+                  <c:v>458.27460000000002</c:v>
+                </c:pt>
+                <c:pt idx="6">
+                  <c:v>469.46339999999998</c:v>
+                </c:pt>
+                <c:pt idx="7">
+                  <c:v>482.517</c:v>
+                </c:pt>
+                <c:pt idx="8">
+                  <c:v>490.90859999999998</c:v>
+                </c:pt>
+                <c:pt idx="9">
+                  <c:v>504.02880000000005</c:v>
+                </c:pt>
+                <c:pt idx="10">
+                  <c:v>518.94719999999995</c:v>
+                </c:pt>
+                <c:pt idx="11">
+                  <c:v>530.13600000000008</c:v>
+                </c:pt>
+                <c:pt idx="12">
+                  <c:v>545.05439999999999</c:v>
+                </c:pt>
+                <c:pt idx="13">
+                  <c:v>564.63480000000004</c:v>
+                </c:pt>
+              </c:numCache>
+            </c:numRef>
+          </c:xVal>
+          <c:yVal>
+            <c:numRef>
+              <c:f>工作表1!$BD$2:$BD$30</c:f>
+              <c:numCache>
+                <c:formatCode>General</c:formatCode>
+                <c:ptCount val="29"/>
+                <c:pt idx="0">
+                  <c:v>-1.6112772995248246</c:v>
+                </c:pt>
+                <c:pt idx="1">
+                  <c:v>-1.3560047944215186</c:v>
+                </c:pt>
+                <c:pt idx="2">
+                  <c:v>-1.3102473038608433</c:v>
+                </c:pt>
+                <c:pt idx="3">
+                  <c:v>-1.0092173081968621</c:v>
+                </c:pt>
+                <c:pt idx="4">
+                  <c:v>-0.61127729952482457</c:v>
+                </c:pt>
+                <c:pt idx="5">
+                  <c:v>-0.3560047944215185</c:v>
+                </c:pt>
+                <c:pt idx="6">
+                  <c:v>-9.2173081968621329E-3</c:v>
+                </c:pt>
+                <c:pt idx="7">
+                  <c:v>0.38872270047517538</c:v>
+                </c:pt>
+                <c:pt idx="8">
+                  <c:v>0.64399520557848156</c:v>
+                </c:pt>
+                <c:pt idx="9">
+                  <c:v>0.99078269180313783</c:v>
+                </c:pt>
+                <c:pt idx="10">
+                  <c:v>1.3887227004751754</c:v>
+                </c:pt>
+                <c:pt idx="11">
+                  <c:v>1.6439952055784814</c:v>
+                </c:pt>
+                <c:pt idx="12">
+                  <c:v>1.9907826918031377</c:v>
+                </c:pt>
+                <c:pt idx="13">
+                  <c:v>2.3887227004751757</c:v>
+                </c:pt>
+              </c:numCache>
+            </c:numRef>
+          </c:yVal>
+          <c:smooth val="1"/>
+          <c:extLst>
+            <c:ext xmlns:c16="http://schemas.microsoft.com/office/drawing/2014/chart" uri="{C3380CC4-5D6E-409C-BE32-E72D297353CC}">
+              <c16:uniqueId val="{00000007-568D-4347-8F2C-F766473C71CA}"/>
+            </c:ext>
+          </c:extLst>
+        </c:ser>
+        <c:ser>
+          <c:idx val="8"/>
+          <c:order val="8"/>
+          <c:tx>
+            <c:v>n =9</c:v>
+          </c:tx>
+          <c:marker>
+            <c:symbol val="none"/>
+          </c:marker>
+          <c:xVal>
+            <c:numRef>
+              <c:f>工作表1!$BJ$2:$BJ$30</c:f>
+              <c:numCache>
+                <c:formatCode>General</c:formatCode>
+                <c:ptCount val="29"/>
+                <c:pt idx="0">
+                  <c:v>446.15340000000003</c:v>
+                </c:pt>
+                <c:pt idx="1">
+                  <c:v>452.68019999999996</c:v>
+                </c:pt>
+                <c:pt idx="2">
+                  <c:v>462.00419999999997</c:v>
+                </c:pt>
+                <c:pt idx="3">
+                  <c:v>473.19300000000004</c:v>
+                </c:pt>
+                <c:pt idx="4">
+                  <c:v>480.65219999999999</c:v>
+                </c:pt>
+                <c:pt idx="5">
+                  <c:v>491.84100000000001</c:v>
+                </c:pt>
+                <c:pt idx="6">
+                  <c:v>504.96119999999996</c:v>
+                </c:pt>
+                <c:pt idx="7">
+                  <c:v>514.28520000000003</c:v>
+                </c:pt>
+                <c:pt idx="8">
+                  <c:v>526.40639999999996</c:v>
+                </c:pt>
+                <c:pt idx="9">
+                  <c:v>542.25720000000001</c:v>
+                </c:pt>
+                <c:pt idx="10">
+                  <c:v>553.44600000000003</c:v>
+                </c:pt>
+              </c:numCache>
+            </c:numRef>
+          </c:xVal>
+          <c:yVal>
+            <c:numRef>
+              <c:f>工作表1!$BK$2:$BK$30</c:f>
+              <c:numCache>
+                <c:formatCode>General</c:formatCode>
+                <c:ptCount val="29"/>
+                <c:pt idx="0">
+                  <c:v>-1.6112772995248246</c:v>
+                </c:pt>
+                <c:pt idx="1">
+                  <c:v>-1.3560047944215186</c:v>
+                </c:pt>
+                <c:pt idx="2">
+                  <c:v>-1.0092173081968621</c:v>
+                </c:pt>
+                <c:pt idx="3">
+                  <c:v>-0.61127729952482457</c:v>
+                </c:pt>
+                <c:pt idx="4">
+                  <c:v>-0.3560047944215185</c:v>
+                </c:pt>
+                <c:pt idx="5">
+                  <c:v>-9.2173081968621329E-3</c:v>
+                </c:pt>
+                <c:pt idx="6">
+                  <c:v>0.38872270047517538</c:v>
+                </c:pt>
+                <c:pt idx="7">
+                  <c:v>0.64399520557848156</c:v>
+                </c:pt>
+                <c:pt idx="8">
+                  <c:v>0.99078269180313783</c:v>
+                </c:pt>
+                <c:pt idx="9">
+                  <c:v>1.3887227004751754</c:v>
+                </c:pt>
+                <c:pt idx="10">
+                  <c:v>1.6439952055784814</c:v>
+                </c:pt>
+              </c:numCache>
+            </c:numRef>
+          </c:yVal>
+          <c:smooth val="1"/>
+          <c:extLst>
+            <c:ext xmlns:c16="http://schemas.microsoft.com/office/drawing/2014/chart" uri="{C3380CC4-5D6E-409C-BE32-E72D297353CC}">
+              <c16:uniqueId val="{00000008-568D-4347-8F2C-F766473C71CA}"/>
+            </c:ext>
+          </c:extLst>
+        </c:ser>
+        <c:ser>
+          <c:idx val="9"/>
+          <c:order val="9"/>
+          <c:tx>
+            <c:v>n =10</c:v>
+          </c:tx>
+          <c:marker>
+            <c:symbol val="none"/>
+          </c:marker>
+          <c:xVal>
+            <c:numRef>
+              <c:f>工作表1!$BQ$2:$BQ$30</c:f>
+              <c:numCache>
+                <c:formatCode>General</c:formatCode>
+                <c:ptCount val="29"/>
+                <c:pt idx="0">
+                  <c:v>472.26059999999995</c:v>
+                </c:pt>
+                <c:pt idx="1">
+                  <c:v>479.71980000000002</c:v>
+                </c:pt>
+                <c:pt idx="2">
+                  <c:v>489.04379999999998</c:v>
+                </c:pt>
+                <c:pt idx="3">
+                  <c:v>500.29919999999998</c:v>
+                </c:pt>
+                <c:pt idx="4">
+                  <c:v>508.69080000000002</c:v>
+                </c:pt>
+                <c:pt idx="5">
+                  <c:v>509.6232</c:v>
+                </c:pt>
+                <c:pt idx="6">
+                  <c:v>518.94719999999995</c:v>
+                </c:pt>
+                <c:pt idx="7">
+                  <c:v>532.93320000000006</c:v>
+                </c:pt>
+                <c:pt idx="8">
+                  <c:v>541.32479999999998</c:v>
+                </c:pt>
+                <c:pt idx="9">
+                  <c:v>554.37840000000006</c:v>
+                </c:pt>
+              </c:numCache>
+            </c:numRef>
+          </c:xVal>
+          <c:yVal>
+            <c:numRef>
+              <c:f>工作表1!$BR$2:$BR$30</c:f>
+              <c:numCache>
+                <c:formatCode>General</c:formatCode>
+                <c:ptCount val="29"/>
+                <c:pt idx="0">
+                  <c:v>-1.6112772995248246</c:v>
+                </c:pt>
+                <c:pt idx="1">
+                  <c:v>-1.3560047944215186</c:v>
+                </c:pt>
+                <c:pt idx="2">
+                  <c:v>-1.0092173081968621</c:v>
+                </c:pt>
+                <c:pt idx="3">
+                  <c:v>-0.61127729952482457</c:v>
+                </c:pt>
+                <c:pt idx="4">
+                  <c:v>-0.3325236985719956</c:v>
+                </c:pt>
+                <c:pt idx="5">
+                  <c:v>-0.31024730386084332</c:v>
+                </c:pt>
+                <c:pt idx="6">
+                  <c:v>-9.2173081968621329E-3</c:v>
+                </c:pt>
+                <c:pt idx="7">
+                  <c:v>0.38872270047517538</c:v>
+                </c:pt>
+                <c:pt idx="8">
+                  <c:v>0.64399520557848156</c:v>
+                </c:pt>
+                <c:pt idx="9">
+                  <c:v>0.99078269180313783</c:v>
+                </c:pt>
+              </c:numCache>
+            </c:numRef>
+          </c:yVal>
+          <c:smooth val="1"/>
+          <c:extLst>
+            <c:ext xmlns:c16="http://schemas.microsoft.com/office/drawing/2014/chart" uri="{C3380CC4-5D6E-409C-BE32-E72D297353CC}">
+              <c16:uniqueId val="{00000009-568D-4347-8F2C-F766473C71CA}"/>
+            </c:ext>
+          </c:extLst>
+        </c:ser>
+        <c:dLbls>
+          <c:showLegendKey val="0"/>
+          <c:showVal val="0"/>
+          <c:showCatName val="0"/>
+          <c:showSerName val="0"/>
+          <c:showPercent val="0"/>
+          <c:showBubbleSize val="0"/>
+        </c:dLbls>
+        <c:axId val="2117526744"/>
+        <c:axId val="-2144898280"/>
+      </c:scatterChart>
+      <c:valAx>
+        <c:axId val="2117526744"/>
+        <c:scaling>
+          <c:orientation val="minMax"/>
+          <c:min val="300"/>
+        </c:scaling>
+        <c:delete val="0"/>
+        <c:axPos val="b"/>
+        <c:title>
+          <c:tx>
+            <c:rich>
+              <a:bodyPr/>
+              <a:lstStyle/>
+              <a:p>
+                <a:pPr>
+                  <a:defRPr sz="2400">
+                    <a:latin typeface="Arial" panose="020B0604020202020204" pitchFamily="34" charset="0"/>
+                    <a:cs typeface="Arial" panose="020B0604020202020204" pitchFamily="34" charset="0"/>
+                  </a:defRPr>
+                </a:pPr>
+                <a:r>
+                  <a:rPr lang="en-CA" altLang="zh-CN" sz="2400">
+                    <a:latin typeface="Arial" panose="020B0604020202020204" pitchFamily="34" charset="0"/>
+                    <a:cs typeface="Arial" panose="020B0604020202020204" pitchFamily="34" charset="0"/>
+                  </a:rPr>
+                  <a:t>T (K)</a:t>
+                </a:r>
+                <a:endParaRPr lang="zh-CN" altLang="en-US" sz="2400">
+                  <a:latin typeface="Arial" panose="020B0604020202020204" pitchFamily="34" charset="0"/>
+                  <a:cs typeface="Arial" panose="020B0604020202020204" pitchFamily="34" charset="0"/>
+                </a:endParaRPr>
+              </a:p>
+            </c:rich>
+          </c:tx>
+          <c:layout>
+            <c:manualLayout>
+              <c:xMode val="edge"/>
+              <c:yMode val="edge"/>
+              <c:x val="0.90005515796823177"/>
+              <c:y val="0.87665289335646779"/>
+            </c:manualLayout>
+          </c:layout>
+          <c:overlay val="0"/>
+        </c:title>
+        <c:numFmt formatCode="General" sourceLinked="1"/>
+        <c:majorTickMark val="in"/>
+        <c:minorTickMark val="none"/>
+        <c:tickLblPos val="nextTo"/>
+        <c:spPr>
+          <a:ln w="9525">
+            <a:solidFill>
+              <a:schemeClr val="tx1"/>
+            </a:solidFill>
+          </a:ln>
+        </c:spPr>
+        <c:txPr>
+          <a:bodyPr/>
+          <a:lstStyle/>
+          <a:p>
+            <a:pPr>
+              <a:defRPr sz="2000">
+                <a:latin typeface="Arial" panose="020B0604020202020204" pitchFamily="34" charset="0"/>
+                <a:cs typeface="Arial" panose="020B0604020202020204" pitchFamily="34" charset="0"/>
+              </a:defRPr>
+            </a:pPr>
+            <a:endParaRPr lang="en-US"/>
+          </a:p>
+        </c:txPr>
+        <c:crossAx val="-2144898280"/>
+        <c:crossesAt val="-8"/>
+        <c:crossBetween val="midCat"/>
+        <c:majorUnit val="50"/>
+      </c:valAx>
+      <c:valAx>
+        <c:axId val="-2144898280"/>
+        <c:scaling>
+          <c:orientation val="minMax"/>
+          <c:min val="-8"/>
+        </c:scaling>
+        <c:delete val="0"/>
+        <c:axPos val="l"/>
+        <c:title>
+          <c:tx>
+            <c:rich>
+              <a:bodyPr rot="0" vert="horz"/>
+              <a:lstStyle/>
+              <a:p>
+                <a:pPr>
+                  <a:defRPr sz="2400">
+                    <a:latin typeface="Arial" panose="020B0604020202020204" pitchFamily="34" charset="0"/>
+                    <a:cs typeface="Arial" panose="020B0604020202020204" pitchFamily="34" charset="0"/>
+                  </a:defRPr>
+                </a:pPr>
+                <a:r>
+                  <a:rPr lang="en-CA" altLang="zh-CN" sz="2400" dirty="0" err="1">
+                    <a:latin typeface="Arial" panose="020B0604020202020204" pitchFamily="34" charset="0"/>
+                    <a:cs typeface="Arial" panose="020B0604020202020204" pitchFamily="34" charset="0"/>
+                  </a:rPr>
+                  <a:t>logP</a:t>
+                </a:r>
+                <a:r>
+                  <a:rPr lang="en-CA" altLang="zh-CN" sz="2400" dirty="0">
+                    <a:latin typeface="Arial" panose="020B0604020202020204" pitchFamily="34" charset="0"/>
+                    <a:cs typeface="Arial" panose="020B0604020202020204" pitchFamily="34" charset="0"/>
+                  </a:rPr>
+                  <a:t> (Pa)</a:t>
+                </a:r>
+              </a:p>
+              <a:p>
+                <a:pPr>
+                  <a:defRPr sz="2400">
+                    <a:latin typeface="Arial" panose="020B0604020202020204" pitchFamily="34" charset="0"/>
+                    <a:cs typeface="Arial" panose="020B0604020202020204" pitchFamily="34" charset="0"/>
+                  </a:defRPr>
+                </a:pPr>
+                <a:r>
+                  <a:rPr lang="en-CA" altLang="zh-CN" sz="2400" dirty="0">
+                    <a:latin typeface="Arial" panose="020B0604020202020204" pitchFamily="34" charset="0"/>
+                    <a:cs typeface="Arial" panose="020B0604020202020204" pitchFamily="34" charset="0"/>
+                  </a:rPr>
+                  <a:t>PEO</a:t>
+                </a:r>
+                <a:endParaRPr lang="zh-CN" altLang="en-US" sz="2400" dirty="0">
+                  <a:latin typeface="Arial" panose="020B0604020202020204" pitchFamily="34" charset="0"/>
+                  <a:cs typeface="Arial" panose="020B0604020202020204" pitchFamily="34" charset="0"/>
+                </a:endParaRPr>
+              </a:p>
+            </c:rich>
+          </c:tx>
+          <c:layout>
+            <c:manualLayout>
+              <c:xMode val="edge"/>
+              <c:yMode val="edge"/>
+              <c:x val="5.6203502647349739E-2"/>
+              <c:y val="0.44440010476317837"/>
+            </c:manualLayout>
+          </c:layout>
+          <c:overlay val="0"/>
+        </c:title>
+        <c:numFmt formatCode="General" sourceLinked="1"/>
+        <c:majorTickMark val="in"/>
+        <c:minorTickMark val="none"/>
+        <c:tickLblPos val="nextTo"/>
+        <c:spPr>
+          <a:ln>
+            <a:solidFill>
+              <a:schemeClr val="tx1"/>
+            </a:solidFill>
+          </a:ln>
+        </c:spPr>
+        <c:txPr>
+          <a:bodyPr/>
+          <a:lstStyle/>
+          <a:p>
+            <a:pPr>
+              <a:defRPr sz="2000">
+                <a:latin typeface="Arial" panose="020B0604020202020204" pitchFamily="34" charset="0"/>
+                <a:cs typeface="Arial" panose="020B0604020202020204" pitchFamily="34" charset="0"/>
+              </a:defRPr>
+            </a:pPr>
+            <a:endParaRPr lang="en-US"/>
+          </a:p>
+        </c:txPr>
+        <c:crossAx val="2117526744"/>
+        <c:crosses val="autoZero"/>
+        <c:crossBetween val="midCat"/>
+        <c:majorUnit val="2"/>
+      </c:valAx>
+      <c:spPr>
+        <a:ln w="19050">
+          <a:solidFill>
+            <a:schemeClr val="tx1"/>
+          </a:solidFill>
+        </a:ln>
+      </c:spPr>
+    </c:plotArea>
+    <c:plotVisOnly val="1"/>
+    <c:dispBlanksAs val="gap"/>
+    <c:showDLblsOverMax val="0"/>
+  </c:chart>
+  <c:spPr>
+    <a:ln>
+      <a:noFill/>
+    </a:ln>
+  </c:spPr>
+  <c:externalData r:id="rId1">
+    <c:autoUpdate val="0"/>
+  </c:externalData>
+</c:chartSpace>
+</file>
+
+<file path=ppt/charts/chart3.xml><?xml version="1.0" encoding="utf-8"?>
+<c:chartSpace xmlns:c="http://schemas.openxmlformats.org/drawingml/2006/chart" xmlns:a="http://schemas.openxmlformats.org/drawingml/2006/main" xmlns:r="http://schemas.openxmlformats.org/officeDocument/2006/relationships" xmlns:c16r2="http://schemas.microsoft.com/office/drawing/2015/06/chart">
+  <c:date1904 val="0"/>
+  <c:lang val="en-US"/>
+  <c:roundedCorners val="0"/>
+  <mc:AlternateContent xmlns:mc="http://schemas.openxmlformats.org/markup-compatibility/2006">
+    <mc:Choice xmlns:c14="http://schemas.microsoft.com/office/drawing/2007/8/2/chart" Requires="c14">
+      <c14:style val="102"/>
+    </mc:Choice>
+    <mc:Fallback>
+      <c:style val="2"/>
+    </mc:Fallback>
+  </mc:AlternateContent>
+  <c:chart>
+    <c:autoTitleDeleted val="0"/>
+    <c:plotArea>
+      <c:layout>
+        <c:manualLayout>
+          <c:layoutTarget val="inner"/>
+          <c:xMode val="edge"/>
+          <c:yMode val="edge"/>
+          <c:x val="3.0293913050900199E-2"/>
+          <c:y val="3.8507166300544599E-2"/>
+          <c:w val="0.94110248334549595"/>
+          <c:h val="0.94970803396642001"/>
+        </c:manualLayout>
+      </c:layout>
+      <c:scatterChart>
+        <c:scatterStyle val="smoothMarker"/>
+        <c:varyColors val="0"/>
+        <c:ser>
+          <c:idx val="0"/>
+          <c:order val="0"/>
+          <c:spPr>
+            <a:ln w="31750" cap="rnd">
+              <a:solidFill>
+                <a:schemeClr val="accent1"/>
+              </a:solidFill>
+              <a:round/>
+            </a:ln>
+            <a:effectLst/>
+          </c:spPr>
+          <c:marker>
+            <c:symbol val="none"/>
+          </c:marker>
+          <c:xVal>
+            <c:numRef>
+              <c:f>'[PS--PvsT.xlsx]工作表1'!$F$2:$F$35</c:f>
+              <c:numCache>
+                <c:formatCode>General</c:formatCode>
+                <c:ptCount val="34"/>
+                <c:pt idx="0">
+                  <c:v>400.57500000000005</c:v>
+                </c:pt>
+                <c:pt idx="1">
+                  <c:v>402.41249999999997</c:v>
+                </c:pt>
+                <c:pt idx="2">
+                  <c:v>404.25000000000006</c:v>
+                </c:pt>
+                <c:pt idx="3">
+                  <c:v>407.92500000000001</c:v>
+                </c:pt>
+                <c:pt idx="4">
+                  <c:v>410.71799999999996</c:v>
+                </c:pt>
+                <c:pt idx="5">
+                  <c:v>412.55549999999999</c:v>
+                </c:pt>
+                <c:pt idx="6">
+                  <c:v>415.27499999999998</c:v>
+                </c:pt>
+                <c:pt idx="7">
+                  <c:v>417.99449999999996</c:v>
+                </c:pt>
+                <c:pt idx="8">
+                  <c:v>419.83200000000005</c:v>
+                </c:pt>
+                <c:pt idx="9">
+                  <c:v>422.62499999999994</c:v>
+                </c:pt>
+                <c:pt idx="10">
+                  <c:v>425.34449999999998</c:v>
+                </c:pt>
+                <c:pt idx="11">
+                  <c:v>428.13749999999999</c:v>
+                </c:pt>
+                <c:pt idx="12">
+                  <c:v>429.97499999999997</c:v>
+                </c:pt>
+                <c:pt idx="13">
+                  <c:v>432.69450000000001</c:v>
+                </c:pt>
+                <c:pt idx="14">
+                  <c:v>434.53199999999998</c:v>
+                </c:pt>
+                <c:pt idx="15">
+                  <c:v>437.25149999999996</c:v>
+                </c:pt>
+                <c:pt idx="16">
+                  <c:v>440.92649999999998</c:v>
+                </c:pt>
+                <c:pt idx="17">
+                  <c:v>444.60149999999999</c:v>
+                </c:pt>
+                <c:pt idx="18">
+                  <c:v>448.2765</c:v>
+                </c:pt>
+                <c:pt idx="19">
+                  <c:v>451.95150000000001</c:v>
+                </c:pt>
+                <c:pt idx="20">
+                  <c:v>456.50849999999997</c:v>
+                </c:pt>
+                <c:pt idx="21">
+                  <c:v>460.18349999999998</c:v>
+                </c:pt>
+                <c:pt idx="22">
+                  <c:v>463.85849999999999</c:v>
+                </c:pt>
+                <c:pt idx="23">
+                  <c:v>467.5335</c:v>
+                </c:pt>
+                <c:pt idx="24">
+                  <c:v>504.21000000000004</c:v>
+                </c:pt>
+                <c:pt idx="25">
+                  <c:v>525.30449999999996</c:v>
+                </c:pt>
+                <c:pt idx="26">
+                  <c:v>532.65449999999998</c:v>
+                </c:pt>
+                <c:pt idx="27">
+                  <c:v>538.09349999999995</c:v>
+                </c:pt>
+                <c:pt idx="28">
+                  <c:v>547.28100000000006</c:v>
+                </c:pt>
+                <c:pt idx="29">
+                  <c:v>555.51300000000003</c:v>
+                </c:pt>
+                <c:pt idx="30">
+                  <c:v>561.98099999999999</c:v>
+                </c:pt>
+                <c:pt idx="31">
+                  <c:v>567.41999999999996</c:v>
+                </c:pt>
+                <c:pt idx="32">
+                  <c:v>572.9325</c:v>
+                </c:pt>
+                <c:pt idx="33">
+                  <c:v>576.60749999999996</c:v>
+                </c:pt>
+              </c:numCache>
+            </c:numRef>
+          </c:xVal>
+          <c:yVal>
+            <c:numRef>
+              <c:f>'[PS--PvsT.xlsx]工作表1'!$K$2:$K$35</c:f>
+              <c:numCache>
+                <c:formatCode>General</c:formatCode>
+                <c:ptCount val="34"/>
+                <c:pt idx="0">
+                  <c:v>1.1547282074401557</c:v>
+                </c:pt>
+                <c:pt idx="1">
+                  <c:v>1.2058807298875369</c:v>
+                </c:pt>
+                <c:pt idx="2">
+                  <c:v>1.2516382204482119</c:v>
+                </c:pt>
+                <c:pt idx="3">
+                  <c:v>1.3450599056104471</c:v>
+                </c:pt>
+                <c:pt idx="4">
+                  <c:v>1.3977662561264501</c:v>
+                </c:pt>
+                <c:pt idx="5">
+                  <c:v>1.4557582031041367</c:v>
+                </c:pt>
+                <c:pt idx="6">
+                  <c:v>1.5164560434577485</c:v>
+                </c:pt>
+                <c:pt idx="7">
+                  <c:v>1.5738575151821312</c:v>
+                </c:pt>
+                <c:pt idx="8">
+                  <c:v>1.6318494621598181</c:v>
+                </c:pt>
+                <c:pt idx="9">
+                  <c:v>1.6925473025134297</c:v>
+                </c:pt>
+                <c:pt idx="10">
+                  <c:v>1.7513253030666158</c:v>
+                </c:pt>
+                <c:pt idx="11">
+                  <c:v>1.8079407212154992</c:v>
+                </c:pt>
+                <c:pt idx="12">
+                  <c:v>1.8644220771679476</c:v>
+                </c:pt>
+                <c:pt idx="13">
+                  <c:v>1.914396052129786</c:v>
+                </c:pt>
+                <c:pt idx="14">
+                  <c:v>1.9676415640830112</c:v>
+                </c:pt>
+                <c:pt idx="15">
+                  <c:v>2.0297894708318558</c:v>
+                </c:pt>
+                <c:pt idx="16">
+                  <c:v>2.0967362604624689</c:v>
+                </c:pt>
+                <c:pt idx="17">
+                  <c:v>2.1759175065100935</c:v>
+                </c:pt>
+                <c:pt idx="18">
+                  <c:v>2.2516382204482119</c:v>
+                </c:pt>
+                <c:pt idx="19">
+                  <c:v>2.3308194664958366</c:v>
+                </c:pt>
+                <c:pt idx="20">
+                  <c:v>2.4100007125434617</c:v>
+                </c:pt>
+                <c:pt idx="21">
+                  <c:v>2.482087141826486</c:v>
+                </c:pt>
+                <c:pt idx="22">
+                  <c:v>2.5526682161121932</c:v>
+                </c:pt>
+                <c:pt idx="23">
+                  <c:v>2.6318494621598179</c:v>
+                </c:pt>
+                <c:pt idx="24">
+                  <c:v>3.2516382204482119</c:v>
+                </c:pt>
+                <c:pt idx="25">
+                  <c:v>3.5526682161121932</c:v>
+                </c:pt>
+                <c:pt idx="26">
+                  <c:v>3.6318494621598179</c:v>
+                </c:pt>
+                <c:pt idx="27">
+                  <c:v>3.7287594751678745</c:v>
+                </c:pt>
+                <c:pt idx="28">
+                  <c:v>3.8536982117761744</c:v>
+                </c:pt>
+                <c:pt idx="29">
+                  <c:v>3.9506082247842307</c:v>
+                </c:pt>
+                <c:pt idx="30">
+                  <c:v>4.0297894708318553</c:v>
+                </c:pt>
+                <c:pt idx="31">
+                  <c:v>4.0967362604624684</c:v>
+                </c:pt>
+                <c:pt idx="32">
+                  <c:v>4.1547282074401553</c:v>
+                </c:pt>
+                <c:pt idx="33">
+                  <c:v>4.2058807298875367</c:v>
+                </c:pt>
+              </c:numCache>
+            </c:numRef>
+          </c:yVal>
+          <c:smooth val="1"/>
+          <c:extLst>
+            <c:ext xmlns:c16="http://schemas.microsoft.com/office/drawing/2014/chart" uri="{C3380CC4-5D6E-409C-BE32-E72D297353CC}">
+              <c16:uniqueId val="{00000000-3F34-4FD0-9F7A-21FB7AB07810}"/>
+            </c:ext>
+          </c:extLst>
+        </c:ser>
+        <c:ser>
+          <c:idx val="1"/>
+          <c:order val="1"/>
+          <c:spPr>
+            <a:ln w="31750" cap="rnd">
+              <a:solidFill>
+                <a:schemeClr val="accent2"/>
+              </a:solidFill>
+              <a:round/>
+            </a:ln>
+            <a:effectLst/>
+          </c:spPr>
+          <c:marker>
+            <c:symbol val="none"/>
+          </c:marker>
+          <c:xVal>
+            <c:numRef>
+              <c:f>'[PS--PvsT.xlsx]工作表1'!$I$2:$I$23</c:f>
+              <c:numCache>
+                <c:formatCode>General</c:formatCode>
+                <c:ptCount val="22"/>
+                <c:pt idx="0">
+                  <c:v>387.49200000000002</c:v>
+                </c:pt>
+                <c:pt idx="1">
+                  <c:v>395.28299999999996</c:v>
+                </c:pt>
+                <c:pt idx="2">
+                  <c:v>406.96949999999998</c:v>
+                </c:pt>
+                <c:pt idx="3">
+                  <c:v>415.71600000000001</c:v>
+                </c:pt>
+                <c:pt idx="4">
+                  <c:v>431.298</c:v>
+                </c:pt>
+                <c:pt idx="5">
+                  <c:v>438.13349999999997</c:v>
+                </c:pt>
+                <c:pt idx="6">
+                  <c:v>445.92450000000002</c:v>
+                </c:pt>
+                <c:pt idx="7">
+                  <c:v>451.73100000000005</c:v>
+                </c:pt>
+                <c:pt idx="8">
+                  <c:v>455.62650000000002</c:v>
+                </c:pt>
+                <c:pt idx="9">
+                  <c:v>458.56650000000002</c:v>
+                </c:pt>
+                <c:pt idx="10">
+                  <c:v>462.46199999999999</c:v>
+                </c:pt>
+                <c:pt idx="11">
+                  <c:v>467.31300000000005</c:v>
+                </c:pt>
+                <c:pt idx="12">
+                  <c:v>471.20850000000002</c:v>
+                </c:pt>
+                <c:pt idx="13">
+                  <c:v>473.04599999999994</c:v>
+                </c:pt>
+                <c:pt idx="14">
+                  <c:v>475.76549999999997</c:v>
+                </c:pt>
+                <c:pt idx="15">
+                  <c:v>478.55849999999998</c:v>
+                </c:pt>
+                <c:pt idx="16">
+                  <c:v>480.39599999999996</c:v>
+                </c:pt>
+                <c:pt idx="17">
+                  <c:v>489.51000000000005</c:v>
+                </c:pt>
+                <c:pt idx="18">
+                  <c:v>523.46699999999998</c:v>
+                </c:pt>
+                <c:pt idx="19">
+                  <c:v>539.93100000000004</c:v>
+                </c:pt>
+                <c:pt idx="20">
+                  <c:v>568.37549999999999</c:v>
+                </c:pt>
+                <c:pt idx="21">
+                  <c:v>583.00200000000007</c:v>
+                </c:pt>
+              </c:numCache>
+            </c:numRef>
+          </c:xVal>
+          <c:yVal>
+            <c:numRef>
+              <c:f>'[PS--PvsT.xlsx]工作表1'!$L$2:$L$23</c:f>
+              <c:numCache>
+                <c:formatCode>General</c:formatCode>
+                <c:ptCount val="22"/>
+                <c:pt idx="0">
+                  <c:v>-1.4473317838878068</c:v>
+                </c:pt>
+                <c:pt idx="1">
+                  <c:v>-1.1463017882238256</c:v>
+                </c:pt>
+                <c:pt idx="2">
+                  <c:v>-0.74836177955178795</c:v>
+                </c:pt>
+                <c:pt idx="3">
+                  <c:v>-0.44733178388780676</c:v>
+                </c:pt>
+                <c:pt idx="4">
+                  <c:v>2.9789470831855614E-2</c:v>
+                </c:pt>
+                <c:pt idx="5">
+                  <c:v>0.25163822044821205</c:v>
+                </c:pt>
+                <c:pt idx="6">
+                  <c:v>0.45575820310413684</c:v>
+                </c:pt>
+                <c:pt idx="7">
+                  <c:v>0.63184946215981797</c:v>
+                </c:pt>
+                <c:pt idx="8">
+                  <c:v>0.72875947516787443</c:v>
+                </c:pt>
+                <c:pt idx="9">
+                  <c:v>0.8079407212154992</c:v>
+                </c:pt>
+                <c:pt idx="10">
+                  <c:v>0.91439605212978614</c:v>
+                </c:pt>
+                <c:pt idx="11">
+                  <c:v>1.0297894708318556</c:v>
+                </c:pt>
+                <c:pt idx="12">
+                  <c:v>1.1324518127290033</c:v>
+                </c:pt>
+                <c:pt idx="13">
+                  <c:v>1.1759175065100937</c:v>
+                </c:pt>
+                <c:pt idx="14">
+                  <c:v>1.2339094534877804</c:v>
+                </c:pt>
+                <c:pt idx="15">
+                  <c:v>1.2930309056064371</c:v>
+                </c:pt>
+                <c:pt idx="16">
+                  <c:v>1.3308194664958368</c:v>
+                </c:pt>
+                <c:pt idx="17">
+                  <c:v>1.5526682161121932</c:v>
+                </c:pt>
+                <c:pt idx="18">
+                  <c:v>2.2516382204482119</c:v>
+                </c:pt>
+                <c:pt idx="19">
+                  <c:v>2.5526682161121932</c:v>
+                </c:pt>
+                <c:pt idx="20">
+                  <c:v>3.0297894708318558</c:v>
+                </c:pt>
+                <c:pt idx="21">
+                  <c:v>3.2516382204482119</c:v>
+                </c:pt>
+              </c:numCache>
+            </c:numRef>
+          </c:yVal>
+          <c:smooth val="1"/>
+          <c:extLst>
+            <c:ext xmlns:c16="http://schemas.microsoft.com/office/drawing/2014/chart" uri="{C3380CC4-5D6E-409C-BE32-E72D297353CC}">
+              <c16:uniqueId val="{00000001-3F34-4FD0-9F7A-21FB7AB07810}"/>
+            </c:ext>
+          </c:extLst>
+        </c:ser>
+        <c:ser>
+          <c:idx val="2"/>
+          <c:order val="2"/>
+          <c:spPr>
+            <a:ln w="31750" cap="rnd">
+              <a:solidFill>
+                <a:schemeClr val="accent3"/>
+              </a:solidFill>
+              <a:round/>
+            </a:ln>
+            <a:effectLst/>
+          </c:spPr>
+          <c:marker>
+            <c:symbol val="none"/>
+          </c:marker>
+          <c:xVal>
+            <c:numRef>
+              <c:f>'[PS--PvsT.xlsx]工作表1'!$P$2:$P$32</c:f>
+              <c:numCache>
+                <c:formatCode>General</c:formatCode>
+                <c:ptCount val="31"/>
+                <c:pt idx="0">
+                  <c:v>407.11649999999997</c:v>
+                </c:pt>
+                <c:pt idx="1">
+                  <c:v>414.24599999999998</c:v>
+                </c:pt>
+                <c:pt idx="2">
+                  <c:v>418.28850000000006</c:v>
+                </c:pt>
+                <c:pt idx="3">
+                  <c:v>422.40449999999998</c:v>
+                </c:pt>
+                <c:pt idx="4">
+                  <c:v>426.44700000000006</c:v>
+                </c:pt>
+                <c:pt idx="5">
+                  <c:v>429.46050000000002</c:v>
+                </c:pt>
+                <c:pt idx="6">
+                  <c:v>432.54750000000001</c:v>
+                </c:pt>
+                <c:pt idx="7">
+                  <c:v>435.56100000000004</c:v>
+                </c:pt>
+                <c:pt idx="8">
+                  <c:v>437.61900000000003</c:v>
+                </c:pt>
+                <c:pt idx="9">
+                  <c:v>439.6035</c:v>
+                </c:pt>
+                <c:pt idx="10">
+                  <c:v>441.66149999999999</c:v>
+                </c:pt>
+                <c:pt idx="11">
+                  <c:v>442.69049999999999</c:v>
+                </c:pt>
+                <c:pt idx="12">
+                  <c:v>444.67500000000001</c:v>
+                </c:pt>
+                <c:pt idx="13">
+                  <c:v>445.70400000000006</c:v>
+                </c:pt>
+                <c:pt idx="14">
+                  <c:v>447.762</c:v>
+                </c:pt>
+                <c:pt idx="15">
+                  <c:v>448.791</c:v>
+                </c:pt>
+                <c:pt idx="16">
+                  <c:v>451.80450000000002</c:v>
+                </c:pt>
+                <c:pt idx="17">
+                  <c:v>452.83349999999996</c:v>
+                </c:pt>
+                <c:pt idx="18">
+                  <c:v>453.86250000000001</c:v>
+                </c:pt>
+                <c:pt idx="19">
+                  <c:v>455.84699999999998</c:v>
+                </c:pt>
+                <c:pt idx="20">
+                  <c:v>457.90499999999997</c:v>
+                </c:pt>
+                <c:pt idx="21">
+                  <c:v>460.91849999999999</c:v>
+                </c:pt>
+                <c:pt idx="22">
+                  <c:v>462.97649999999999</c:v>
+                </c:pt>
+                <c:pt idx="23">
+                  <c:v>465.03450000000004</c:v>
+                </c:pt>
+                <c:pt idx="24">
+                  <c:v>467.01899999999995</c:v>
+                </c:pt>
+                <c:pt idx="25">
+                  <c:v>476.20650000000001</c:v>
+                </c:pt>
+                <c:pt idx="26">
+                  <c:v>480.24899999999997</c:v>
+                </c:pt>
+                <c:pt idx="27">
+                  <c:v>504.57749999999999</c:v>
+                </c:pt>
+                <c:pt idx="28">
+                  <c:v>515.74950000000001</c:v>
+                </c:pt>
+                <c:pt idx="29">
+                  <c:v>544.19399999999996</c:v>
+                </c:pt>
+                <c:pt idx="30">
+                  <c:v>558.45299999999997</c:v>
+                </c:pt>
+              </c:numCache>
+            </c:numRef>
+          </c:xVal>
+          <c:yVal>
+            <c:numRef>
+              <c:f>'[PS--PvsT.xlsx]工作表1'!$R$2:$R$32</c:f>
+              <c:numCache>
+                <c:formatCode>General</c:formatCode>
+                <c:ptCount val="31"/>
+                <c:pt idx="0">
+                  <c:v>-3.1463017882238256</c:v>
+                </c:pt>
+                <c:pt idx="1">
+                  <c:v>-2.8452717925598443</c:v>
+                </c:pt>
+                <c:pt idx="2">
+                  <c:v>-2.669180533504163</c:v>
+                </c:pt>
+                <c:pt idx="3">
+                  <c:v>-2.4930892744484821</c:v>
+                </c:pt>
+                <c:pt idx="4">
+                  <c:v>-2.3333884315809699</c:v>
+                </c:pt>
+                <c:pt idx="5">
+                  <c:v>-2.1920592787845008</c:v>
+                </c:pt>
+                <c:pt idx="6">
+                  <c:v>-2.0671205421762009</c:v>
+                </c:pt>
+                <c:pt idx="7">
+                  <c:v>-1.9702105291681444</c:v>
+                </c:pt>
+                <c:pt idx="8">
+                  <c:v>-1.8910292831205195</c:v>
+                </c:pt>
+                <c:pt idx="9">
+                  <c:v>-1.8138633283082202</c:v>
+                </c:pt>
+                <c:pt idx="10">
+                  <c:v>-1.7483617795517881</c:v>
+                </c:pt>
+                <c:pt idx="11">
+                  <c:v>-1.6839037903248695</c:v>
+                </c:pt>
+                <c:pt idx="12">
+                  <c:v>-1.627787848345938</c:v>
+                </c:pt>
+                <c:pt idx="13">
+                  <c:v>-1.5722705204961067</c:v>
+                </c:pt>
+                <c:pt idx="14">
+                  <c:v>-1.517912858173514</c:v>
+                </c:pt>
+                <c:pt idx="15">
+                  <c:v>-1.469608178598959</c:v>
+                </c:pt>
+                <c:pt idx="16">
+                  <c:v>-1.386633943534195</c:v>
+                </c:pt>
+                <c:pt idx="17">
+                  <c:v>-1.3333884315809701</c:v>
+                </c:pt>
+                <c:pt idx="18">
+                  <c:v>-1.285963781652832</c:v>
+                </c:pt>
+                <c:pt idx="19">
+                  <c:v>-1.2298478396739005</c:v>
+                </c:pt>
+                <c:pt idx="20">
+                  <c:v>-1.1572971725252887</c:v>
+                </c:pt>
+                <c:pt idx="21">
+                  <c:v>-1.0581656995232744</c:v>
+                </c:pt>
+                <c:pt idx="22">
+                  <c:v>-0.9924869238792966</c:v>
+                </c:pt>
+                <c:pt idx="23">
+                  <c:v>-0.92228697685096162</c:v>
+                </c:pt>
+                <c:pt idx="24">
+                  <c:v>-0.85073468826134657</c:v>
+                </c:pt>
+                <c:pt idx="25">
+                  <c:v>-0.57227052049610683</c:v>
+                </c:pt>
+                <c:pt idx="26">
+                  <c:v>-0.44733178388780676</c:v>
+                </c:pt>
+                <c:pt idx="27">
+                  <c:v>0.25163822044821205</c:v>
+                </c:pt>
+                <c:pt idx="28">
+                  <c:v>0.55266821611219319</c:v>
+                </c:pt>
+                <c:pt idx="29">
+                  <c:v>1.2516382204482119</c:v>
+                </c:pt>
+                <c:pt idx="30">
+                  <c:v>1.5526682161121932</c:v>
+                </c:pt>
+              </c:numCache>
+            </c:numRef>
+          </c:yVal>
+          <c:smooth val="1"/>
+          <c:extLst>
+            <c:ext xmlns:c16="http://schemas.microsoft.com/office/drawing/2014/chart" uri="{C3380CC4-5D6E-409C-BE32-E72D297353CC}">
+              <c16:uniqueId val="{00000002-3F34-4FD0-9F7A-21FB7AB07810}"/>
+            </c:ext>
+          </c:extLst>
+        </c:ser>
+        <c:ser>
+          <c:idx val="3"/>
+          <c:order val="3"/>
+          <c:spPr>
+            <a:ln w="31750" cap="rnd">
+              <a:solidFill>
+                <a:schemeClr val="accent4"/>
+              </a:solidFill>
+              <a:round/>
+            </a:ln>
+            <a:effectLst/>
+          </c:spPr>
+          <c:marker>
+            <c:symbol val="none"/>
+          </c:marker>
+          <c:xVal>
+            <c:numRef>
+              <c:f>'[PS--PvsT.xlsx]工作表1'!$V$2:$V$39</c:f>
+              <c:numCache>
+                <c:formatCode>0.00E+00</c:formatCode>
+                <c:ptCount val="38"/>
+                <c:pt idx="0">
+                  <c:v>406.74900000000002</c:v>
+                </c:pt>
+                <c:pt idx="1">
+                  <c:v>408.36599999999999</c:v>
+                </c:pt>
+                <c:pt idx="2">
+                  <c:v>410.05649999999997</c:v>
+                </c:pt>
+                <c:pt idx="3">
+                  <c:v>412.55549999999999</c:v>
+                </c:pt>
+                <c:pt idx="4">
+                  <c:v>415.05449999999996</c:v>
+                </c:pt>
+                <c:pt idx="5">
+                  <c:v>416.67149999999998</c:v>
+                </c:pt>
+                <c:pt idx="6">
+                  <c:v>418.36200000000002</c:v>
+                </c:pt>
+                <c:pt idx="7">
+                  <c:v>419.1705</c:v>
+                </c:pt>
+                <c:pt idx="8">
+                  <c:v>420.86099999999999</c:v>
+                </c:pt>
+                <c:pt idx="9">
+                  <c:v>422.55149999999998</c:v>
+                </c:pt>
+                <c:pt idx="10">
+                  <c:v>423.35999999999996</c:v>
+                </c:pt>
+                <c:pt idx="11">
+                  <c:v>425.0505</c:v>
+                </c:pt>
+                <c:pt idx="12">
+                  <c:v>426.66750000000002</c:v>
+                </c:pt>
+                <c:pt idx="13">
+                  <c:v>428.358</c:v>
+                </c:pt>
+                <c:pt idx="14">
+                  <c:v>430.85700000000003</c:v>
+                </c:pt>
+                <c:pt idx="15">
+                  <c:v>433.35599999999999</c:v>
+                </c:pt>
+                <c:pt idx="16">
+                  <c:v>435.85499999999996</c:v>
+                </c:pt>
+                <c:pt idx="17">
+                  <c:v>439.971</c:v>
+                </c:pt>
+                <c:pt idx="18">
+                  <c:v>441.66149999999999</c:v>
+                </c:pt>
+                <c:pt idx="19">
+                  <c:v>444.96900000000005</c:v>
+                </c:pt>
+                <c:pt idx="20">
+                  <c:v>448.2765</c:v>
+                </c:pt>
+                <c:pt idx="21">
+                  <c:v>450.77549999999997</c:v>
+                </c:pt>
+                <c:pt idx="22">
+                  <c:v>454.08300000000003</c:v>
+                </c:pt>
+                <c:pt idx="23">
+                  <c:v>457.46399999999994</c:v>
+                </c:pt>
+                <c:pt idx="24">
+                  <c:v>459.96300000000002</c:v>
+                </c:pt>
+                <c:pt idx="25">
+                  <c:v>464.96100000000001</c:v>
+                </c:pt>
+                <c:pt idx="26">
+                  <c:v>467.38650000000001</c:v>
+                </c:pt>
+                <c:pt idx="27">
+                  <c:v>469.88549999999998</c:v>
+                </c:pt>
+                <c:pt idx="28">
+                  <c:v>472.38450000000006</c:v>
+                </c:pt>
+                <c:pt idx="29">
+                  <c:v>474.88350000000003</c:v>
+                </c:pt>
+                <c:pt idx="30">
+                  <c:v>489.06900000000002</c:v>
+                </c:pt>
+                <c:pt idx="31">
+                  <c:v>493.185</c:v>
+                </c:pt>
+                <c:pt idx="32">
+                  <c:v>504.798</c:v>
+                </c:pt>
+                <c:pt idx="33">
+                  <c:v>513.9855</c:v>
+                </c:pt>
+                <c:pt idx="34">
+                  <c:v>523.98149999999998</c:v>
+                </c:pt>
+                <c:pt idx="35">
+                  <c:v>548.89800000000002</c:v>
+                </c:pt>
+                <c:pt idx="36">
+                  <c:v>560.51099999999997</c:v>
+                </c:pt>
+                <c:pt idx="37">
+                  <c:v>580.50299999999993</c:v>
+                </c:pt>
+              </c:numCache>
+            </c:numRef>
+          </c:xVal>
+          <c:yVal>
+            <c:numRef>
+              <c:f>'[PS--PvsT.xlsx]工作表1'!$X$2:$X$39</c:f>
+              <c:numCache>
+                <c:formatCode>General</c:formatCode>
+                <c:ptCount val="38"/>
+                <c:pt idx="0">
+                  <c:v>-5.146301788223826</c:v>
+                </c:pt>
+                <c:pt idx="1">
+                  <c:v>-5.0493917752157689</c:v>
+                </c:pt>
+                <c:pt idx="2">
+                  <c:v>-4.9702105291681447</c:v>
+                </c:pt>
+                <c:pt idx="3">
+                  <c:v>-4.8452717925598447</c:v>
+                </c:pt>
+                <c:pt idx="4">
+                  <c:v>-4.7483617795517876</c:v>
+                </c:pt>
+                <c:pt idx="5">
+                  <c:v>-4.6549400943895529</c:v>
+                </c:pt>
+                <c:pt idx="6">
+                  <c:v>-4.5722705204961072</c:v>
+                </c:pt>
+                <c:pt idx="7">
+                  <c:v>-4.5179128581735144</c:v>
+                </c:pt>
+                <c:pt idx="8">
+                  <c:v>-4.4473317838878064</c:v>
+                </c:pt>
+                <c:pt idx="9">
+                  <c:v>-4.3681505378401821</c:v>
+                </c:pt>
+                <c:pt idx="10">
+                  <c:v>-4.3012037482095691</c:v>
+                </c:pt>
+                <c:pt idx="11">
+                  <c:v>-4.2168828625095331</c:v>
+                </c:pt>
+                <c:pt idx="12">
+                  <c:v>-4.146301788223826</c:v>
+                </c:pt>
+                <c:pt idx="13">
+                  <c:v>-4.0671205421762009</c:v>
+                </c:pt>
+                <c:pt idx="14">
+                  <c:v>-3.9702105291681442</c:v>
+                </c:pt>
+                <c:pt idx="15">
+                  <c:v>-3.8452717925598443</c:v>
+                </c:pt>
+                <c:pt idx="16">
+                  <c:v>-3.7069690943935631</c:v>
+                </c:pt>
+                <c:pt idx="17">
+                  <c:v>-3.5442417968958631</c:v>
+                </c:pt>
+                <c:pt idx="18">
+                  <c:v>-3.4473317838878068</c:v>
+                </c:pt>
+                <c:pt idx="19">
+                  <c:v>-3.3012037482095686</c:v>
+                </c:pt>
+                <c:pt idx="20">
+                  <c:v>-3.1685781829349779</c:v>
+                </c:pt>
+                <c:pt idx="21">
+                  <c:v>-3.0493917752157693</c:v>
+                </c:pt>
+                <c:pt idx="22">
+                  <c:v>-2.9288178440099193</c:v>
+                </c:pt>
+                <c:pt idx="23">
+                  <c:v>-2.8138633283082202</c:v>
+                </c:pt>
+                <c:pt idx="24">
+                  <c:v>-2.7069690943935631</c:v>
+                </c:pt>
+                <c:pt idx="25">
+                  <c:v>-2.517912858173514</c:v>
+                </c:pt>
+                <c:pt idx="26">
+                  <c:v>-2.386633943534195</c:v>
+                </c:pt>
+                <c:pt idx="27">
+                  <c:v>-2.3012037482095686</c:v>
+                </c:pt>
+                <c:pt idx="28">
+                  <c:v>-2.1920592787845008</c:v>
+                </c:pt>
+                <c:pt idx="29">
+                  <c:v>-2.1049091030656006</c:v>
+                </c:pt>
+                <c:pt idx="30">
+                  <c:v>-1.5722705204961067</c:v>
+                </c:pt>
+                <c:pt idx="31">
+                  <c:v>-1.4473317838878068</c:v>
+                </c:pt>
+                <c:pt idx="32">
+                  <c:v>-1.0493917752157691</c:v>
+                </c:pt>
+                <c:pt idx="33">
+                  <c:v>-0.74836177955178795</c:v>
+                </c:pt>
+                <c:pt idx="34">
+                  <c:v>-0.44733178388780676</c:v>
+                </c:pt>
+                <c:pt idx="35">
+                  <c:v>0.25163822044821205</c:v>
+                </c:pt>
+                <c:pt idx="36">
+                  <c:v>0.55266821611219319</c:v>
+                </c:pt>
+                <c:pt idx="37">
+                  <c:v>1.0297894708318556</c:v>
+                </c:pt>
+              </c:numCache>
+            </c:numRef>
+          </c:yVal>
+          <c:smooth val="1"/>
+          <c:extLst>
+            <c:ext xmlns:c16="http://schemas.microsoft.com/office/drawing/2014/chart" uri="{C3380CC4-5D6E-409C-BE32-E72D297353CC}">
+              <c16:uniqueId val="{00000003-3F34-4FD0-9F7A-21FB7AB07810}"/>
+            </c:ext>
+          </c:extLst>
+        </c:ser>
+        <c:ser>
+          <c:idx val="4"/>
+          <c:order val="4"/>
+          <c:spPr>
+            <a:ln w="31750" cap="rnd">
+              <a:solidFill>
+                <a:schemeClr val="accent5"/>
+              </a:solidFill>
+              <a:round/>
+            </a:ln>
+            <a:effectLst/>
+          </c:spPr>
+          <c:marker>
+            <c:symbol val="none"/>
+          </c:marker>
+          <c:xVal>
+            <c:numRef>
+              <c:f>'[PS--PvsT.xlsx]工作表1'!$AB$2:$AB$42</c:f>
+              <c:numCache>
+                <c:formatCode>General</c:formatCode>
+                <c:ptCount val="41"/>
+                <c:pt idx="0">
+                  <c:v>413.14350000000002</c:v>
+                </c:pt>
+                <c:pt idx="1">
+                  <c:v>416.00999999999993</c:v>
+                </c:pt>
+                <c:pt idx="2">
+                  <c:v>418.14149999999995</c:v>
+                </c:pt>
+                <c:pt idx="3">
+                  <c:v>421.00799999999998</c:v>
+                </c:pt>
+                <c:pt idx="4">
+                  <c:v>423.1395</c:v>
+                </c:pt>
+                <c:pt idx="5">
+                  <c:v>426.00600000000003</c:v>
+                </c:pt>
+                <c:pt idx="6">
+                  <c:v>427.476</c:v>
+                </c:pt>
+                <c:pt idx="7">
+                  <c:v>429.60750000000002</c:v>
+                </c:pt>
+                <c:pt idx="8">
+                  <c:v>431.00400000000002</c:v>
+                </c:pt>
+                <c:pt idx="9">
+                  <c:v>433.13550000000004</c:v>
+                </c:pt>
+                <c:pt idx="10">
+                  <c:v>433.87050000000005</c:v>
+                </c:pt>
+                <c:pt idx="11">
+                  <c:v>435.26699999999994</c:v>
+                </c:pt>
+                <c:pt idx="12">
+                  <c:v>436.00199999999995</c:v>
+                </c:pt>
+                <c:pt idx="13">
+                  <c:v>437.47199999999998</c:v>
+                </c:pt>
+                <c:pt idx="14">
+                  <c:v>438.13349999999997</c:v>
+                </c:pt>
+                <c:pt idx="15">
+                  <c:v>439.6035</c:v>
+                </c:pt>
+                <c:pt idx="16">
+                  <c:v>441</c:v>
+                </c:pt>
+                <c:pt idx="17">
+                  <c:v>443.13150000000002</c:v>
+                </c:pt>
+                <c:pt idx="18">
+                  <c:v>444.60149999999999</c:v>
+                </c:pt>
+                <c:pt idx="19">
+                  <c:v>445.99799999999999</c:v>
+                </c:pt>
+                <c:pt idx="20">
+                  <c:v>447.39449999999999</c:v>
+                </c:pt>
+                <c:pt idx="21">
+                  <c:v>449.59950000000003</c:v>
+                </c:pt>
+                <c:pt idx="22">
+                  <c:v>450.99600000000004</c:v>
+                </c:pt>
+                <c:pt idx="23">
+                  <c:v>451.73100000000005</c:v>
+                </c:pt>
+                <c:pt idx="24">
+                  <c:v>455.25899999999996</c:v>
+                </c:pt>
+                <c:pt idx="25">
+                  <c:v>458.12549999999999</c:v>
+                </c:pt>
+                <c:pt idx="26">
+                  <c:v>460.99199999999996</c:v>
+                </c:pt>
+                <c:pt idx="27">
+                  <c:v>462.38850000000002</c:v>
+                </c:pt>
+                <c:pt idx="28">
+                  <c:v>465.99</c:v>
+                </c:pt>
+                <c:pt idx="29">
+                  <c:v>472.38450000000006</c:v>
+                </c:pt>
+                <c:pt idx="30">
+                  <c:v>477.38249999999999</c:v>
+                </c:pt>
+                <c:pt idx="31">
+                  <c:v>484.512</c:v>
+                </c:pt>
+                <c:pt idx="32">
+                  <c:v>501.63749999999999</c:v>
+                </c:pt>
+                <c:pt idx="33">
+                  <c:v>509.50200000000001</c:v>
+                </c:pt>
+                <c:pt idx="34">
+                  <c:v>520.23299999999995</c:v>
+                </c:pt>
+                <c:pt idx="35">
+                  <c:v>528.75900000000001</c:v>
+                </c:pt>
+                <c:pt idx="36">
+                  <c:v>537.35849999999994</c:v>
+                </c:pt>
+                <c:pt idx="37">
+                  <c:v>549.48599999999999</c:v>
+                </c:pt>
+                <c:pt idx="38">
+                  <c:v>559.48199999999997</c:v>
+                </c:pt>
+                <c:pt idx="39">
+                  <c:v>565.21500000000003</c:v>
+                </c:pt>
+                <c:pt idx="40">
+                  <c:v>569.47800000000007</c:v>
+                </c:pt>
+              </c:numCache>
+            </c:numRef>
+          </c:xVal>
+          <c:yVal>
+            <c:numRef>
+              <c:f>'[PS--PvsT.xlsx]工作表1'!$AD$2:$AD$42</c:f>
+              <c:numCache>
+                <c:formatCode>General</c:formatCode>
+                <c:ptCount val="41"/>
+                <c:pt idx="0">
+                  <c:v>-7.146301788223826</c:v>
+                </c:pt>
+                <c:pt idx="1">
+                  <c:v>-6.9702105291681447</c:v>
+                </c:pt>
+                <c:pt idx="2">
+                  <c:v>-6.8452717925598447</c:v>
+                </c:pt>
+                <c:pt idx="3">
+                  <c:v>-6.6691805335041634</c:v>
+                </c:pt>
+                <c:pt idx="4">
+                  <c:v>-6.5442417968958635</c:v>
+                </c:pt>
+                <c:pt idx="5">
+                  <c:v>-6.3681505378401821</c:v>
+                </c:pt>
+                <c:pt idx="6">
+                  <c:v>-6.2712405248321259</c:v>
+                </c:pt>
+                <c:pt idx="7">
+                  <c:v>-6.1685781829349775</c:v>
+                </c:pt>
+                <c:pt idx="8">
+                  <c:v>-6.0671205421762009</c:v>
+                </c:pt>
+                <c:pt idx="9">
+                  <c:v>-5.9702105291681447</c:v>
+                </c:pt>
+                <c:pt idx="10">
+                  <c:v>-5.9032637395375316</c:v>
+                </c:pt>
+                <c:pt idx="11">
+                  <c:v>-5.8452717925598447</c:v>
+                </c:pt>
+                <c:pt idx="12">
+                  <c:v>-5.7845739522062329</c:v>
+                </c:pt>
+                <c:pt idx="13">
+                  <c:v>-5.7230559142870181</c:v>
+                </c:pt>
+                <c:pt idx="14">
+                  <c:v>-5.6691805335041634</c:v>
+                </c:pt>
+                <c:pt idx="15">
+                  <c:v>-5.6022337438735503</c:v>
+                </c:pt>
+                <c:pt idx="16">
+                  <c:v>-5.5179128581735144</c:v>
+                </c:pt>
+                <c:pt idx="17">
+                  <c:v>-5.426142484817869</c:v>
+                </c:pt>
+                <c:pt idx="18">
+                  <c:v>-5.3333884315809703</c:v>
+                </c:pt>
+                <c:pt idx="19">
+                  <c:v>-5.2712405248321259</c:v>
+                </c:pt>
+                <c:pt idx="20">
+                  <c:v>-5.1920592787845008</c:v>
+                </c:pt>
+                <c:pt idx="21">
+                  <c:v>-5.1049091030656006</c:v>
+                </c:pt>
+                <c:pt idx="22">
+                  <c:v>-5.0323584359169891</c:v>
+                </c:pt>
+                <c:pt idx="23">
+                  <c:v>-4.9702105291681447</c:v>
+                </c:pt>
+                <c:pt idx="24">
+                  <c:v>-4.7941192701124633</c:v>
+                </c:pt>
+                <c:pt idx="25">
+                  <c:v>-4.6691805335041634</c:v>
+                </c:pt>
+                <c:pt idx="26">
+                  <c:v>-4.5442417968958635</c:v>
+                </c:pt>
+                <c:pt idx="27">
+                  <c:v>-4.4473317838878064</c:v>
+                </c:pt>
+                <c:pt idx="28">
+                  <c:v>-4.2712405248321259</c:v>
+                </c:pt>
+                <c:pt idx="29">
+                  <c:v>-3.9702105291681442</c:v>
+                </c:pt>
+                <c:pt idx="30">
+                  <c:v>-3.7483617795517881</c:v>
+                </c:pt>
+                <c:pt idx="31">
+                  <c:v>-3.4473317838878068</c:v>
+                </c:pt>
+                <c:pt idx="32">
+                  <c:v>-2.7483617795517881</c:v>
+                </c:pt>
+                <c:pt idx="33">
+                  <c:v>-2.4473317838878068</c:v>
+                </c:pt>
+                <c:pt idx="34">
+                  <c:v>-2.0493917752157693</c:v>
+                </c:pt>
+                <c:pt idx="35">
+                  <c:v>-1.7483617795517881</c:v>
+                </c:pt>
+                <c:pt idx="36">
+                  <c:v>-1.4473317838878068</c:v>
+                </c:pt>
+                <c:pt idx="37">
+                  <c:v>-1.0493917752157691</c:v>
+                </c:pt>
+                <c:pt idx="38">
+                  <c:v>-0.74836177955178795</c:v>
+                </c:pt>
+                <c:pt idx="39">
+                  <c:v>-0.57227052049610683</c:v>
+                </c:pt>
+                <c:pt idx="40">
+                  <c:v>-0.44733178388780676</c:v>
+                </c:pt>
+              </c:numCache>
+            </c:numRef>
+          </c:yVal>
+          <c:smooth val="1"/>
+          <c:extLst>
+            <c:ext xmlns:c16="http://schemas.microsoft.com/office/drawing/2014/chart" uri="{C3380CC4-5D6E-409C-BE32-E72D297353CC}">
+              <c16:uniqueId val="{00000004-3F34-4FD0-9F7A-21FB7AB07810}"/>
+            </c:ext>
+          </c:extLst>
+        </c:ser>
+        <c:ser>
+          <c:idx val="5"/>
+          <c:order val="5"/>
+          <c:spPr>
+            <a:ln w="31750" cap="rnd">
+              <a:solidFill>
+                <a:schemeClr val="accent6"/>
+              </a:solidFill>
+              <a:round/>
+            </a:ln>
+            <a:effectLst/>
+          </c:spPr>
+          <c:marker>
+            <c:symbol val="none"/>
+          </c:marker>
+          <c:xVal>
+            <c:numRef>
+              <c:f>'[PS--PvsT.xlsx]工作表1'!$AH$2:$AH$12</c:f>
+              <c:numCache>
+                <c:formatCode>General</c:formatCode>
+                <c:ptCount val="11"/>
+                <c:pt idx="0">
+                  <c:v>452.17199999999997</c:v>
+                </c:pt>
+                <c:pt idx="1">
+                  <c:v>466.79849999999999</c:v>
+                </c:pt>
+                <c:pt idx="2">
+                  <c:v>472.97249999999997</c:v>
+                </c:pt>
+                <c:pt idx="3">
+                  <c:v>487.15799999999996</c:v>
+                </c:pt>
+                <c:pt idx="4">
+                  <c:v>493.33199999999999</c:v>
+                </c:pt>
+                <c:pt idx="5">
+                  <c:v>508.32600000000002</c:v>
+                </c:pt>
+                <c:pt idx="6">
+                  <c:v>515.38200000000006</c:v>
+                </c:pt>
+                <c:pt idx="7">
+                  <c:v>533.904</c:v>
+                </c:pt>
+                <c:pt idx="8">
+                  <c:v>540.96</c:v>
+                </c:pt>
+                <c:pt idx="9">
+                  <c:v>560.4375</c:v>
+                </c:pt>
+                <c:pt idx="10">
+                  <c:v>569.25749999999994</c:v>
+                </c:pt>
+              </c:numCache>
+            </c:numRef>
+          </c:xVal>
+          <c:yVal>
+            <c:numRef>
+              <c:f>'[PS--PvsT.xlsx]工作表1'!$AO$2:$AO$12</c:f>
+              <c:numCache>
+                <c:formatCode>General</c:formatCode>
+                <c:ptCount val="11"/>
+                <c:pt idx="0">
+                  <c:v>-6.4473317838878064</c:v>
+                </c:pt>
+                <c:pt idx="1">
+                  <c:v>-5.7483617795517876</c:v>
+                </c:pt>
+                <c:pt idx="2">
+                  <c:v>-5.4473317838878064</c:v>
+                </c:pt>
+                <c:pt idx="3">
+                  <c:v>-4.7483617795517876</c:v>
+                </c:pt>
+                <c:pt idx="4">
+                  <c:v>-4.4473317838878064</c:v>
+                </c:pt>
+                <c:pt idx="5">
+                  <c:v>-3.7483617795517881</c:v>
+                </c:pt>
+                <c:pt idx="6">
+                  <c:v>-3.4473317838878068</c:v>
+                </c:pt>
+                <c:pt idx="7">
+                  <c:v>-2.7483617795517881</c:v>
+                </c:pt>
+                <c:pt idx="8">
+                  <c:v>-2.4473317838878068</c:v>
+                </c:pt>
+                <c:pt idx="9">
+                  <c:v>-1.7483617795517881</c:v>
+                </c:pt>
+              </c:numCache>
+            </c:numRef>
+          </c:yVal>
+          <c:smooth val="1"/>
+          <c:extLst>
+            <c:ext xmlns:c16="http://schemas.microsoft.com/office/drawing/2014/chart" uri="{C3380CC4-5D6E-409C-BE32-E72D297353CC}">
+              <c16:uniqueId val="{00000005-3F34-4FD0-9F7A-21FB7AB07810}"/>
+            </c:ext>
+          </c:extLst>
+        </c:ser>
+        <c:ser>
+          <c:idx val="6"/>
+          <c:order val="6"/>
+          <c:spPr>
+            <a:ln w="31750" cap="rnd">
+              <a:solidFill>
+                <a:schemeClr val="accent1">
+                  <a:lumMod val="60000"/>
+                </a:schemeClr>
+              </a:solidFill>
+              <a:round/>
+            </a:ln>
+            <a:effectLst/>
+          </c:spPr>
+          <c:marker>
+            <c:symbol val="none"/>
+          </c:marker>
+          <c:xVal>
+            <c:numRef>
+              <c:f>'[PS--PvsT.xlsx]工作表1'!$AM$2:$AM$11</c:f>
+              <c:numCache>
+                <c:formatCode>0.00E+00</c:formatCode>
+                <c:ptCount val="10"/>
+                <c:pt idx="0">
+                  <c:v>467.68049999999999</c:v>
+                </c:pt>
+                <c:pt idx="1">
+                  <c:v>480.98399999999998</c:v>
+                </c:pt>
+                <c:pt idx="2">
+                  <c:v>486.27599999999995</c:v>
+                </c:pt>
+                <c:pt idx="3">
+                  <c:v>499.50599999999997</c:v>
+                </c:pt>
+                <c:pt idx="4">
+                  <c:v>505.67999999999995</c:v>
+                </c:pt>
+                <c:pt idx="5">
+                  <c:v>519.79200000000003</c:v>
+                </c:pt>
+                <c:pt idx="6">
+                  <c:v>525.96600000000001</c:v>
+                </c:pt>
+                <c:pt idx="7">
+                  <c:v>541.84199999999998</c:v>
+                </c:pt>
+                <c:pt idx="8">
+                  <c:v>548.89800000000002</c:v>
+                </c:pt>
+                <c:pt idx="9">
+                  <c:v>566.61149999999998</c:v>
+                </c:pt>
+              </c:numCache>
+            </c:numRef>
+          </c:xVal>
+          <c:yVal>
+            <c:numRef>
+              <c:f>'[PS--PvsT.xlsx]工作表1'!$AP$2:$AP$11</c:f>
+              <c:numCache>
+                <c:formatCode>General</c:formatCode>
+                <c:ptCount val="10"/>
+                <c:pt idx="0">
+                  <c:v>-7.5442417968958635</c:v>
+                </c:pt>
+                <c:pt idx="1">
+                  <c:v>-6.7483617795517876</c:v>
+                </c:pt>
+                <c:pt idx="2">
+                  <c:v>-6.4473317838878064</c:v>
+                </c:pt>
+                <c:pt idx="3">
+                  <c:v>-5.7483617795517876</c:v>
+                </c:pt>
+                <c:pt idx="4">
+                  <c:v>-5.4473317838878064</c:v>
+                </c:pt>
+                <c:pt idx="5">
+                  <c:v>-4.7483617795517876</c:v>
+                </c:pt>
+                <c:pt idx="6">
+                  <c:v>-4.4473317838878064</c:v>
+                </c:pt>
+                <c:pt idx="7">
+                  <c:v>-3.7483617795517881</c:v>
+                </c:pt>
+                <c:pt idx="8">
+                  <c:v>-3.4473317838878068</c:v>
+                </c:pt>
+                <c:pt idx="9">
+                  <c:v>-2.7483617795517881</c:v>
+                </c:pt>
+              </c:numCache>
+            </c:numRef>
+          </c:yVal>
+          <c:smooth val="1"/>
+          <c:extLst>
+            <c:ext xmlns:c16="http://schemas.microsoft.com/office/drawing/2014/chart" uri="{C3380CC4-5D6E-409C-BE32-E72D297353CC}">
+              <c16:uniqueId val="{00000006-3F34-4FD0-9F7A-21FB7AB07810}"/>
+            </c:ext>
+          </c:extLst>
+        </c:ser>
+        <c:ser>
+          <c:idx val="7"/>
+          <c:order val="7"/>
+          <c:spPr>
+            <a:ln w="31750" cap="rnd">
+              <a:solidFill>
+                <a:schemeClr val="accent2">
+                  <a:lumMod val="60000"/>
+                </a:schemeClr>
+              </a:solidFill>
+              <a:round/>
+            </a:ln>
+            <a:effectLst/>
+          </c:spPr>
+          <c:marker>
+            <c:symbol val="none"/>
+          </c:marker>
+          <c:xVal>
+            <c:numRef>
+              <c:f>'[PS--PvsT.xlsx]工作表1'!$AT$2:$AT$16</c:f>
+              <c:numCache>
+                <c:formatCode>General</c:formatCode>
+                <c:ptCount val="15"/>
+                <c:pt idx="0">
+                  <c:v>488.04</c:v>
+                </c:pt>
+                <c:pt idx="1">
+                  <c:v>493.33199999999999</c:v>
+                </c:pt>
+                <c:pt idx="2">
+                  <c:v>500.38799999999998</c:v>
+                </c:pt>
+                <c:pt idx="3">
+                  <c:v>505.67999999999995</c:v>
+                </c:pt>
+                <c:pt idx="4">
+                  <c:v>510.09</c:v>
+                </c:pt>
+                <c:pt idx="5">
+                  <c:v>523.31999999999994</c:v>
+                </c:pt>
+                <c:pt idx="6">
+                  <c:v>529.49400000000003</c:v>
+                </c:pt>
+                <c:pt idx="7">
+                  <c:v>537.43200000000002</c:v>
+                </c:pt>
+                <c:pt idx="8">
+                  <c:v>544.48800000000006</c:v>
+                </c:pt>
+                <c:pt idx="9">
+                  <c:v>550.66200000000003</c:v>
+                </c:pt>
+                <c:pt idx="10">
+                  <c:v>559.55549999999994</c:v>
+                </c:pt>
+                <c:pt idx="11">
+                  <c:v>566.61149999999998</c:v>
+                </c:pt>
+              </c:numCache>
+            </c:numRef>
+          </c:xVal>
+          <c:yVal>
+            <c:numRef>
+              <c:f>'[PS--PvsT.xlsx]工作表1'!$AV$2:$AV$16</c:f>
+              <c:numCache>
+                <c:formatCode>General</c:formatCode>
+                <c:ptCount val="15"/>
+                <c:pt idx="0">
+                  <c:v>-7.7483617795517876</c:v>
+                </c:pt>
+                <c:pt idx="1">
+                  <c:v>-7.4473317838878064</c:v>
+                </c:pt>
+                <c:pt idx="2">
+                  <c:v>-7.0493917752157689</c:v>
+                </c:pt>
+                <c:pt idx="3">
+                  <c:v>-6.7483617795517876</c:v>
+                </c:pt>
+                <c:pt idx="4">
+                  <c:v>-6.4473317838878064</c:v>
+                </c:pt>
+                <c:pt idx="5">
+                  <c:v>-5.7483617795517876</c:v>
+                </c:pt>
+                <c:pt idx="6">
+                  <c:v>-5.4473317838878064</c:v>
+                </c:pt>
+                <c:pt idx="7">
+                  <c:v>-5.0493917752157689</c:v>
+                </c:pt>
+                <c:pt idx="8">
+                  <c:v>-4.7483617795517876</c:v>
+                </c:pt>
+                <c:pt idx="9">
+                  <c:v>-4.4473317838878064</c:v>
+                </c:pt>
+                <c:pt idx="10">
+                  <c:v>-4.0493917752157689</c:v>
+                </c:pt>
+                <c:pt idx="11">
+                  <c:v>-3.7483617795517881</c:v>
+                </c:pt>
+              </c:numCache>
+            </c:numRef>
+          </c:yVal>
+          <c:smooth val="1"/>
+          <c:extLst>
+            <c:ext xmlns:c16="http://schemas.microsoft.com/office/drawing/2014/chart" uri="{C3380CC4-5D6E-409C-BE32-E72D297353CC}">
+              <c16:uniqueId val="{00000007-3F34-4FD0-9F7A-21FB7AB07810}"/>
+            </c:ext>
+          </c:extLst>
+        </c:ser>
+        <c:dLbls>
+          <c:showLegendKey val="0"/>
+          <c:showVal val="0"/>
+          <c:showCatName val="0"/>
+          <c:showSerName val="0"/>
+          <c:showPercent val="0"/>
+          <c:showBubbleSize val="0"/>
+        </c:dLbls>
+        <c:axId val="-995188816"/>
+        <c:axId val="-995186944"/>
+      </c:scatterChart>
+      <c:valAx>
+        <c:axId val="-995188816"/>
+        <c:scaling>
+          <c:orientation val="minMax"/>
+          <c:min val="300"/>
+        </c:scaling>
+        <c:delete val="0"/>
+        <c:axPos val="b"/>
+        <c:majorGridlines>
+          <c:spPr>
+            <a:ln w="9525" cap="flat" cmpd="sng" algn="ctr">
+              <a:noFill/>
+              <a:round/>
+            </a:ln>
+            <a:effectLst/>
+          </c:spPr>
+        </c:majorGridlines>
+        <c:numFmt formatCode="General" sourceLinked="1"/>
+        <c:majorTickMark val="in"/>
+        <c:minorTickMark val="none"/>
+        <c:tickLblPos val="nextTo"/>
+        <c:spPr>
+          <a:noFill/>
+          <a:ln w="9525" cap="flat" cmpd="sng" algn="ctr">
+            <a:solidFill>
+              <a:schemeClr val="tx1"/>
+            </a:solidFill>
+            <a:round/>
+          </a:ln>
+          <a:effectLst/>
+        </c:spPr>
+        <c:txPr>
+          <a:bodyPr rot="-60000000" spcFirstLastPara="1" vertOverflow="ellipsis" vert="horz" wrap="square" anchor="ctr" anchorCtr="1"/>
+          <a:lstStyle/>
+          <a:p>
+            <a:pPr>
+              <a:defRPr sz="2000" b="0" i="0" u="none" strike="noStrike" kern="1200" baseline="0">
+                <a:solidFill>
+                  <a:schemeClr val="tx1"/>
+                </a:solidFill>
+                <a:latin typeface="Arial" panose="020B0604020202020204" pitchFamily="34" charset="0"/>
+                <a:ea typeface="Georgia" charset="0"/>
+                <a:cs typeface="Arial" panose="020B0604020202020204" pitchFamily="34" charset="0"/>
+              </a:defRPr>
+            </a:pPr>
+            <a:endParaRPr lang="en-US"/>
+          </a:p>
+        </c:txPr>
+        <c:crossAx val="-995186944"/>
+        <c:crossesAt val="-8"/>
+        <c:crossBetween val="midCat"/>
+        <c:majorUnit val="50"/>
+      </c:valAx>
+      <c:valAx>
+        <c:axId val="-995186944"/>
+        <c:scaling>
+          <c:orientation val="minMax"/>
+          <c:max val="8"/>
+          <c:min val="-8"/>
+        </c:scaling>
+        <c:delete val="0"/>
+        <c:axPos val="l"/>
+        <c:majorGridlines>
+          <c:spPr>
+            <a:ln w="9525" cap="flat" cmpd="sng" algn="ctr">
+              <a:noFill/>
+              <a:round/>
+            </a:ln>
+            <a:effectLst/>
+          </c:spPr>
+        </c:majorGridlines>
+        <c:numFmt formatCode="General" sourceLinked="1"/>
+        <c:majorTickMark val="in"/>
+        <c:minorTickMark val="none"/>
+        <c:tickLblPos val="nextTo"/>
+        <c:spPr>
+          <a:noFill/>
+          <a:ln w="9525" cap="flat" cmpd="sng" algn="ctr">
+            <a:solidFill>
+              <a:schemeClr val="tx1"/>
+            </a:solidFill>
+            <a:round/>
+          </a:ln>
+          <a:effectLst/>
+        </c:spPr>
+        <c:txPr>
+          <a:bodyPr rot="-60000000" spcFirstLastPara="1" vertOverflow="ellipsis" vert="horz" wrap="square" anchor="ctr" anchorCtr="1"/>
+          <a:lstStyle/>
+          <a:p>
+            <a:pPr>
+              <a:defRPr sz="2000" b="0" i="0" u="none" strike="noStrike" kern="1200" baseline="0">
+                <a:solidFill>
+                  <a:schemeClr val="tx1"/>
+                </a:solidFill>
+                <a:latin typeface="Arial" panose="020B0604020202020204" pitchFamily="34" charset="0"/>
+                <a:ea typeface="Georgia" charset="0"/>
+                <a:cs typeface="Arial" panose="020B0604020202020204" pitchFamily="34" charset="0"/>
+              </a:defRPr>
+            </a:pPr>
+            <a:endParaRPr lang="en-US"/>
+          </a:p>
+        </c:txPr>
+        <c:crossAx val="-995188816"/>
+        <c:crosses val="autoZero"/>
+        <c:crossBetween val="midCat"/>
+      </c:valAx>
+      <c:spPr>
+        <a:noFill/>
+        <a:ln>
+          <a:solidFill>
+            <a:schemeClr val="tx1"/>
+          </a:solidFill>
+        </a:ln>
+        <a:effectLst/>
+      </c:spPr>
+    </c:plotArea>
+    <c:plotVisOnly val="1"/>
+    <c:dispBlanksAs val="gap"/>
+    <c:showDLblsOverMax val="0"/>
+  </c:chart>
+  <c:spPr>
+    <a:noFill/>
+    <a:ln>
+      <a:noFill/>
+    </a:ln>
+    <a:effectLst/>
+  </c:spPr>
+  <c:txPr>
+    <a:bodyPr/>
+    <a:lstStyle/>
+    <a:p>
+      <a:pPr>
+        <a:defRPr/>
+      </a:pPr>
+      <a:endParaRPr lang="en-US"/>
+    </a:p>
+  </c:txPr>
+  <c:externalData r:id="rId3">
+    <c:autoUpdate val="0"/>
+  </c:externalData>
+  <c:userShapes r:id="rId4"/>
+</c:chartSpace>
+</file>
+
+<file path=ppt/charts/colors1.xml><?xml version="1.0" encoding="utf-8"?>
+<cs:colorStyle xmlns:cs="http://schemas.microsoft.com/office/drawing/2012/chartStyle" xmlns:a="http://schemas.openxmlformats.org/drawingml/2006/main" meth="cycle" id="10">
+  <a:schemeClr val="accent1"/>
+  <a:schemeClr val="accent2"/>
+  <a:schemeClr val="accent3"/>
+  <a:schemeClr val="accent4"/>
+  <a:schemeClr val="accent5"/>
+  <a:schemeClr val="accent6"/>
+  <cs:variation/>
+  <cs:variation>
+    <a:lumMod val="60000"/>
+  </cs:variation>
+  <cs:variation>
+    <a:lumMod val="80000"/>
+    <a:lumOff val="20000"/>
+  </cs:variation>
+  <cs:variation>
+    <a:lumMod val="80000"/>
+  </cs:variation>
+  <cs:variation>
+    <a:lumMod val="60000"/>
+    <a:lumOff val="40000"/>
+  </cs:variation>
+  <cs:variation>
+    <a:lumMod val="50000"/>
+  </cs:variation>
+  <cs:variation>
+    <a:lumMod val="70000"/>
+    <a:lumOff val="30000"/>
+  </cs:variation>
+  <cs:variation>
+    <a:lumMod val="70000"/>
+  </cs:variation>
+  <cs:variation>
+    <a:lumMod val="50000"/>
+    <a:lumOff val="50000"/>
+  </cs:variation>
+</cs:colorStyle>
+</file>
+
+<file path=ppt/charts/style1.xml><?xml version="1.0" encoding="utf-8"?>
+<cs:chartStyle xmlns:cs="http://schemas.microsoft.com/office/drawing/2012/chartStyle" xmlns:a="http://schemas.openxmlformats.org/drawingml/2006/main" id="240">
+  <cs:axisTitle>
+    <cs:lnRef idx="0"/>
+    <cs:fillRef idx="0"/>
+    <cs:effectRef idx="0"/>
+    <cs:fontRef idx="minor">
+      <a:schemeClr val="tx1">
+        <a:lumMod val="65000"/>
+        <a:lumOff val="35000"/>
+      </a:schemeClr>
+    </cs:fontRef>
+    <cs:defRPr sz="1000" kern="1200"/>
+  </cs:axisTitle>
+  <cs:categoryAxis>
+    <cs:lnRef idx="0"/>
+    <cs:fillRef idx="0"/>
+    <cs:effectRef idx="0"/>
+    <cs:fontRef idx="minor">
+      <a:schemeClr val="tx1">
+        <a:lumMod val="65000"/>
+        <a:lumOff val="35000"/>
+      </a:schemeClr>
+    </cs:fontRef>
+    <cs:spPr>
+      <a:ln w="9525" cap="flat" cmpd="sng" algn="ctr">
+        <a:solidFill>
+          <a:schemeClr val="tx1">
+            <a:lumMod val="25000"/>
+            <a:lumOff val="75000"/>
+          </a:schemeClr>
+        </a:solidFill>
+        <a:round/>
+      </a:ln>
+    </cs:spPr>
+    <cs:defRPr sz="900" kern="1200"/>
+  </cs:categoryAxis>
+  <cs:chartArea mods="allowNoFillOverride allowNoLineOverride">
+    <cs:lnRef idx="0"/>
+    <cs:fillRef idx="0"/>
+    <cs:effectRef idx="0"/>
+    <cs:fontRef idx="minor">
+      <a:schemeClr val="tx1"/>
+    </cs:fontRef>
+    <cs:spPr>
+      <a:solidFill>
+        <a:schemeClr val="bg1"/>
+      </a:solidFill>
+      <a:ln w="9525" cap="flat" cmpd="sng" algn="ctr">
+        <a:solidFill>
+          <a:schemeClr val="tx1">
+            <a:lumMod val="15000"/>
+            <a:lumOff val="85000"/>
+          </a:schemeClr>
+        </a:solidFill>
+        <a:round/>
+      </a:ln>
+    </cs:spPr>
+    <cs:defRPr sz="1000" kern="1200"/>
+  </cs:chartArea>
+  <cs:dataLabel>
+    <cs:lnRef idx="0"/>
+    <cs:fillRef idx="0"/>
+    <cs:effectRef idx="0"/>
+    <cs:fontRef idx="minor">
+      <a:schemeClr val="tx1">
+        <a:lumMod val="75000"/>
+        <a:lumOff val="25000"/>
+      </a:schemeClr>
+    </cs:fontRef>
+    <cs:defRPr sz="900" kern="1200"/>
+  </cs:dataLabel>
+  <cs:dataLabelCallout>
+    <cs:lnRef idx="0"/>
+    <cs:fillRef idx="0"/>
+    <cs:effectRef idx="0"/>
+    <cs:fontRef idx="minor">
+      <a:schemeClr val="dk1">
+        <a:lumMod val="65000"/>
+        <a:lumOff val="35000"/>
+      </a:schemeClr>
+    </cs:fontRef>
+    <cs:spPr>
+      <a:solidFill>
+        <a:schemeClr val="lt1"/>
+      </a:solidFill>
+      <a:ln>
+        <a:solidFill>
+          <a:schemeClr val="dk1">
+            <a:lumMod val="25000"/>
+            <a:lumOff val="75000"/>
+          </a:schemeClr>
+        </a:solidFill>
+      </a:ln>
+    </cs:spPr>
+    <cs:defRPr sz="900" kern="1200"/>
+    <cs:bodyPr rot="0" spcFirstLastPara="1" vertOverflow="clip" horzOverflow="clip" vert="horz" wrap="square" lIns="36576" tIns="18288" rIns="36576" bIns="18288" anchor="ctr" anchorCtr="1">
+      <a:spAutoFit/>
+    </cs:bodyPr>
+  </cs:dataLabelCallout>
+  <cs:dataPoint>
+    <cs:lnRef idx="0"/>
+    <cs:fillRef idx="1">
+      <cs:styleClr val="auto"/>
+    </cs:fillRef>
+    <cs:effectRef idx="0"/>
+    <cs:fontRef idx="minor">
+      <a:schemeClr val="tx1"/>
+    </cs:fontRef>
+  </cs:dataPoint>
+  <cs:dataPoint3D>
+    <cs:lnRef idx="0"/>
+    <cs:fillRef idx="1">
+      <cs:styleClr val="auto"/>
+    </cs:fillRef>
+    <cs:effectRef idx="0"/>
+    <cs:fontRef idx="minor">
+      <a:schemeClr val="tx1"/>
+    </cs:fontRef>
+  </cs:dataPoint3D>
+  <cs:dataPointLine>
+    <cs:lnRef idx="0">
+      <cs:styleClr val="auto"/>
+    </cs:lnRef>
+    <cs:fillRef idx="1"/>
+    <cs:effectRef idx="0"/>
+    <cs:fontRef idx="minor">
+      <a:schemeClr val="tx1"/>
+    </cs:fontRef>
+    <cs:spPr>
+      <a:ln w="19050" cap="rnd">
+        <a:solidFill>
+          <a:schemeClr val="phClr"/>
+        </a:solidFill>
+        <a:round/>
+      </a:ln>
+    </cs:spPr>
+  </cs:dataPointLine>
+  <cs:dataPointMarker>
+    <cs:lnRef idx="0">
+      <cs:styleClr val="auto"/>
+    </cs:lnRef>
+    <cs:fillRef idx="1">
+      <cs:styleClr val="auto"/>
+    </cs:fillRef>
+    <cs:effectRef idx="0"/>
+    <cs:fontRef idx="minor">
+      <a:schemeClr val="tx1"/>
+    </cs:fontRef>
+    <cs:spPr>
+      <a:ln w="9525">
+        <a:solidFill>
+          <a:schemeClr val="phClr"/>
+        </a:solidFill>
+      </a:ln>
+    </cs:spPr>
+  </cs:dataPointMarker>
+  <cs:dataPointMarkerLayout symbol="circle" size="5"/>
+  <cs:dataPointWireframe>
+    <cs:lnRef idx="0">
+      <cs:styleClr val="auto"/>
+    </cs:lnRef>
+    <cs:fillRef idx="0"/>
+    <cs:effectRef idx="0"/>
+    <cs:fontRef idx="minor">
+      <a:schemeClr val="dk1"/>
+    </cs:fontRef>
+    <cs:spPr>
+      <a:ln w="9525" cap="rnd">
+        <a:solidFill>
+          <a:schemeClr val="phClr"/>
+        </a:solidFill>
+        <a:round/>
+      </a:ln>
+    </cs:spPr>
+  </cs:dataPointWireframe>
+  <cs:dataTable>
+    <cs:lnRef idx="0"/>
+    <cs:fillRef idx="0"/>
+    <cs:effectRef idx="0"/>
+    <cs:fontRef idx="minor">
+      <a:schemeClr val="tx1">
+        <a:lumMod val="65000"/>
+        <a:lumOff val="35000"/>
+      </a:schemeClr>
+    </cs:fontRef>
+    <cs:spPr>
+      <a:noFill/>
+      <a:ln w="9525" cap="flat" cmpd="sng" algn="ctr">
+        <a:solidFill>
+          <a:schemeClr val="tx1">
+            <a:lumMod val="15000"/>
+            <a:lumOff val="85000"/>
+          </a:schemeClr>
+        </a:solidFill>
+        <a:round/>
+      </a:ln>
+    </cs:spPr>
+    <cs:defRPr sz="900" kern="1200"/>
+  </cs:dataTable>
+  <cs:downBar>
+    <cs:lnRef idx="0"/>
+    <cs:fillRef idx="0"/>
+    <cs:effectRef idx="0"/>
+    <cs:fontRef idx="minor">
+      <a:schemeClr val="tx1"/>
+    </cs:fontRef>
+    <cs:spPr>
+      <a:solidFill>
+        <a:schemeClr val="dk1">
+          <a:lumMod val="75000"/>
+          <a:lumOff val="25000"/>
+        </a:schemeClr>
+      </a:solidFill>
+      <a:ln w="9525" cap="flat" cmpd="sng" algn="ctr">
+        <a:solidFill>
+          <a:schemeClr val="tx1">
+            <a:lumMod val="65000"/>
+            <a:lumOff val="35000"/>
+          </a:schemeClr>
+        </a:solidFill>
+        <a:round/>
+      </a:ln>
+    </cs:spPr>
+  </cs:downBar>
+  <cs:dropLine>
+    <cs:lnRef idx="0"/>
+    <cs:fillRef idx="0"/>
+    <cs:effectRef idx="0"/>
+    <cs:fontRef idx="minor">
+      <a:schemeClr val="tx1"/>
+    </cs:fontRef>
+    <cs:spPr>
+      <a:ln w="9525" cap="flat" cmpd="sng" algn="ctr">
+        <a:solidFill>
+          <a:schemeClr val="tx1">
+            <a:lumMod val="35000"/>
+            <a:lumOff val="65000"/>
+          </a:schemeClr>
+        </a:solidFill>
+        <a:round/>
+      </a:ln>
+    </cs:spPr>
+  </cs:dropLine>
+  <cs:errorBar>
+    <cs:lnRef idx="0"/>
+    <cs:fillRef idx="0"/>
+    <cs:effectRef idx="0"/>
+    <cs:fontRef idx="minor">
+      <a:schemeClr val="tx1"/>
+    </cs:fontRef>
+    <cs:spPr>
+      <a:ln w="9525" cap="flat" cmpd="sng" algn="ctr">
+        <a:solidFill>
+          <a:schemeClr val="tx1">
+            <a:lumMod val="65000"/>
+            <a:lumOff val="35000"/>
+          </a:schemeClr>
+        </a:solidFill>
+        <a:round/>
+      </a:ln>
+    </cs:spPr>
+  </cs:errorBar>
+  <cs:floor>
+    <cs:lnRef idx="0"/>
+    <cs:fillRef idx="0"/>
+    <cs:effectRef idx="0"/>
+    <cs:fontRef idx="minor">
+      <a:schemeClr val="tx1"/>
+    </cs:fontRef>
+    <cs:spPr>
+      <a:noFill/>
+      <a:ln>
+        <a:noFill/>
+      </a:ln>
+    </cs:spPr>
+  </cs:floor>
+  <cs:gridlineMajor>
+    <cs:lnRef idx="0"/>
+    <cs:fillRef idx="0"/>
+    <cs:effectRef idx="0"/>
+    <cs:fontRef idx="minor">
+      <a:schemeClr val="tx1"/>
+    </cs:fontRef>
+    <cs:spPr>
+      <a:ln w="9525" cap="flat" cmpd="sng" algn="ctr">
+        <a:solidFill>
+          <a:schemeClr val="tx1">
+            <a:lumMod val="15000"/>
+            <a:lumOff val="85000"/>
+          </a:schemeClr>
+        </a:solidFill>
+        <a:round/>
+      </a:ln>
+    </cs:spPr>
+  </cs:gridlineMajor>
+  <cs:gridlineMinor>
+    <cs:lnRef idx="0"/>
+    <cs:fillRef idx="0"/>
+    <cs:effectRef idx="0"/>
+    <cs:fontRef idx="minor">
+      <a:schemeClr val="tx1"/>
+    </cs:fontRef>
+    <cs:spPr>
+      <a:ln w="9525" cap="flat" cmpd="sng" algn="ctr">
+        <a:solidFill>
+          <a:schemeClr val="tx1">
+            <a:lumMod val="5000"/>
+            <a:lumOff val="95000"/>
+          </a:schemeClr>
+        </a:solidFill>
+        <a:round/>
+      </a:ln>
+    </cs:spPr>
+  </cs:gridlineMinor>
+  <cs:hiLoLine>
+    <cs:lnRef idx="0"/>
+    <cs:fillRef idx="0"/>
+    <cs:effectRef idx="0"/>
+    <cs:fontRef idx="minor">
+      <a:schemeClr val="tx1"/>
+    </cs:fontRef>
+    <cs:spPr>
+      <a:ln w="9525" cap="flat" cmpd="sng" algn="ctr">
+        <a:solidFill>
+          <a:schemeClr val="tx1">
+            <a:lumMod val="50000"/>
+            <a:lumOff val="50000"/>
+          </a:schemeClr>
+        </a:solidFill>
+        <a:round/>
+      </a:ln>
+    </cs:spPr>
+  </cs:hiLoLine>
+  <cs:leaderLine>
+    <cs:lnRef idx="0"/>
+    <cs:fillRef idx="0"/>
+    <cs:effectRef idx="0"/>
+    <cs:fontRef idx="minor">
+      <a:schemeClr val="tx1"/>
+    </cs:fontRef>
+    <cs:spPr>
+      <a:ln w="9525" cap="flat" cmpd="sng" algn="ctr">
+        <a:solidFill>
+          <a:schemeClr val="tx1">
+            <a:lumMod val="35000"/>
+            <a:lumOff val="65000"/>
+          </a:schemeClr>
+        </a:solidFill>
+        <a:round/>
+      </a:ln>
+    </cs:spPr>
+  </cs:leaderLine>
+  <cs:legend>
+    <cs:lnRef idx="0"/>
+    <cs:fillRef idx="0"/>
+    <cs:effectRef idx="0"/>
+    <cs:fontRef idx="minor">
+      <a:schemeClr val="tx1">
+        <a:lumMod val="65000"/>
+        <a:lumOff val="35000"/>
+      </a:schemeClr>
+    </cs:fontRef>
+    <cs:defRPr sz="900" kern="1200"/>
+  </cs:legend>
+  <cs:plotArea mods="allowNoFillOverride allowNoLineOverride">
+    <cs:lnRef idx="0"/>
+    <cs:fillRef idx="0"/>
+    <cs:effectRef idx="0"/>
+    <cs:fontRef idx="minor">
+      <a:schemeClr val="tx1"/>
+    </cs:fontRef>
+  </cs:plotArea>
+  <cs:plotArea3D mods="allowNoFillOverride allowNoLineOverride">
+    <cs:lnRef idx="0"/>
+    <cs:fillRef idx="0"/>
+    <cs:effectRef idx="0"/>
+    <cs:fontRef idx="minor">
+      <a:schemeClr val="tx1"/>
+    </cs:fontRef>
+  </cs:plotArea3D>
+  <cs:seriesAxis>
+    <cs:lnRef idx="0"/>
+    <cs:fillRef idx="0"/>
+    <cs:effectRef idx="0"/>
+    <cs:fontRef idx="minor">
+      <a:schemeClr val="tx1">
+        <a:lumMod val="65000"/>
+        <a:lumOff val="35000"/>
+      </a:schemeClr>
+    </cs:fontRef>
+    <cs:defRPr sz="900" kern="1200"/>
+  </cs:seriesAxis>
+  <cs:seriesLine>
+    <cs:lnRef idx="0"/>
+    <cs:fillRef idx="0"/>
+    <cs:effectRef idx="0"/>
+    <cs:fontRef idx="minor">
+      <a:schemeClr val="tx1"/>
+    </cs:fontRef>
+    <cs:spPr>
+      <a:ln w="9525" cap="flat" cmpd="sng" algn="ctr">
+        <a:solidFill>
+          <a:schemeClr val="tx1">
+            <a:lumMod val="35000"/>
+            <a:lumOff val="65000"/>
+          </a:schemeClr>
+        </a:solidFill>
+        <a:round/>
+      </a:ln>
+    </cs:spPr>
+  </cs:seriesLine>
+  <cs:title>
+    <cs:lnRef idx="0"/>
+    <cs:fillRef idx="0"/>
+    <cs:effectRef idx="0"/>
+    <cs:fontRef idx="minor">
+      <a:schemeClr val="tx1">
+        <a:lumMod val="65000"/>
+        <a:lumOff val="35000"/>
+      </a:schemeClr>
+    </cs:fontRef>
+    <cs:defRPr sz="1400" b="0" kern="1200" spc="0" baseline="0"/>
+  </cs:title>
+  <cs:trendline>
+    <cs:lnRef idx="0">
+      <cs:styleClr val="auto"/>
+    </cs:lnRef>
+    <cs:fillRef idx="0"/>
+    <cs:effectRef idx="0"/>
+    <cs:fontRef idx="minor">
+      <a:schemeClr val="tx1"/>
+    </cs:fontRef>
+    <cs:spPr>
+      <a:ln w="19050" cap="rnd">
+        <a:solidFill>
+          <a:schemeClr val="phClr"/>
+        </a:solidFill>
+        <a:prstDash val="sysDot"/>
+      </a:ln>
+    </cs:spPr>
+  </cs:trendline>
+  <cs:trendlineLabel>
+    <cs:lnRef idx="0"/>
+    <cs:fillRef idx="0"/>
+    <cs:effectRef idx="0"/>
+    <cs:fontRef idx="minor">
+      <a:schemeClr val="tx1">
+        <a:lumMod val="65000"/>
+        <a:lumOff val="35000"/>
+      </a:schemeClr>
+    </cs:fontRef>
+    <cs:defRPr sz="900" kern="1200"/>
+  </cs:trendlineLabel>
+  <cs:upBar>
+    <cs:lnRef idx="0"/>
+    <cs:fillRef idx="0"/>
+    <cs:effectRef idx="0"/>
+    <cs:fontRef idx="minor">
+      <a:schemeClr val="tx1"/>
+    </cs:fontRef>
+    <cs:spPr>
+      <a:solidFill>
+        <a:schemeClr val="lt1"/>
+      </a:solidFill>
+      <a:ln w="9525" cap="flat" cmpd="sng" algn="ctr">
+        <a:solidFill>
+          <a:schemeClr val="tx1">
+            <a:lumMod val="65000"/>
+            <a:lumOff val="35000"/>
+          </a:schemeClr>
+        </a:solidFill>
+        <a:round/>
+      </a:ln>
+    </cs:spPr>
+  </cs:upBar>
+  <cs:valueAxis>
+    <cs:lnRef idx="0"/>
+    <cs:fillRef idx="0"/>
+    <cs:effectRef idx="0"/>
+    <cs:fontRef idx="minor">
+      <a:schemeClr val="tx1">
+        <a:lumMod val="65000"/>
+        <a:lumOff val="35000"/>
+      </a:schemeClr>
+    </cs:fontRef>
+    <cs:spPr>
+      <a:ln w="9525" cap="flat" cmpd="sng" algn="ctr">
+        <a:solidFill>
+          <a:schemeClr val="tx1">
+            <a:lumMod val="25000"/>
+            <a:lumOff val="75000"/>
+          </a:schemeClr>
+        </a:solidFill>
+        <a:round/>
+      </a:ln>
+    </cs:spPr>
+    <cs:defRPr sz="900" kern="1200"/>
+  </cs:valueAxis>
+  <cs:wall>
+    <cs:lnRef idx="0"/>
+    <cs:fillRef idx="0"/>
+    <cs:effectRef idx="0"/>
+    <cs:fontRef idx="minor">
+      <a:schemeClr val="tx1"/>
+    </cs:fontRef>
+    <cs:spPr>
+      <a:noFill/>
+      <a:ln>
+        <a:noFill/>
+      </a:ln>
+    </cs:spPr>
+  </cs:wall>
+</cs:chartStyle>
+</file>
+
+<file path=ppt/drawings/drawing1.xml><?xml version="1.0" encoding="utf-8"?>
+<c:userShapes xmlns:c="http://schemas.openxmlformats.org/drawingml/2006/chart">
+  <cdr:relSizeAnchor xmlns:cdr="http://schemas.openxmlformats.org/drawingml/2006/chartDrawing">
+    <cdr:from>
+      <cdr:x>0.62163</cdr:x>
+      <cdr:y>0.12226</cdr:y>
+    </cdr:from>
+    <cdr:to>
+      <cdr:x>0.71919</cdr:x>
+      <cdr:y>0.15876</cdr:y>
+    </cdr:to>
+    <cdr:sp macro="" textlink="">
+      <cdr:nvSpPr>
+        <cdr:cNvPr id="2" name="文本框 1"/>
+        <cdr:cNvSpPr txBox="1"/>
+      </cdr:nvSpPr>
+      <cdr:spPr>
+        <a:xfrm xmlns:a="http://schemas.openxmlformats.org/drawingml/2006/main">
+          <a:off x="5826425" y="802736"/>
+          <a:ext cx="914400" cy="239623"/>
+        </a:xfrm>
+        <a:prstGeom xmlns:a="http://schemas.openxmlformats.org/drawingml/2006/main" prst="rect">
+          <a:avLst/>
+        </a:prstGeom>
+      </cdr:spPr>
+      <cdr:txBody>
+        <a:bodyPr xmlns:a="http://schemas.openxmlformats.org/drawingml/2006/main" vertOverflow="clip" wrap="none" rtlCol="0"/>
+        <a:lstStyle xmlns:a="http://schemas.openxmlformats.org/drawingml/2006/main"/>
+        <a:p xmlns:a="http://schemas.openxmlformats.org/drawingml/2006/main">
+          <a:endParaRPr lang="zh-CN" altLang="en-US" sz="1100"/>
+        </a:p>
+      </cdr:txBody>
+    </cdr:sp>
+  </cdr:relSizeAnchor>
+  <cdr:relSizeAnchor xmlns:cdr="http://schemas.openxmlformats.org/drawingml/2006/chartDrawing">
+    <cdr:from>
+      <cdr:x>0.81337</cdr:x>
+      <cdr:y>0.10219</cdr:y>
+    </cdr:from>
+    <cdr:to>
+      <cdr:x>0.91093</cdr:x>
+      <cdr:y>0.17336</cdr:y>
+    </cdr:to>
+    <cdr:sp macro="" textlink="">
+      <cdr:nvSpPr>
+        <cdr:cNvPr id="3" name="文本框 2"/>
+        <cdr:cNvSpPr txBox="1"/>
+      </cdr:nvSpPr>
+      <cdr:spPr>
+        <a:xfrm xmlns:a="http://schemas.openxmlformats.org/drawingml/2006/main">
+          <a:off x="7623594" y="670944"/>
+          <a:ext cx="914400" cy="467264"/>
+        </a:xfrm>
+        <a:prstGeom xmlns:a="http://schemas.openxmlformats.org/drawingml/2006/main" prst="rect">
+          <a:avLst/>
+        </a:prstGeom>
+      </cdr:spPr>
+      <cdr:txBody>
+        <a:bodyPr xmlns:a="http://schemas.openxmlformats.org/drawingml/2006/main" vertOverflow="clip" wrap="none" rtlCol="0"/>
+        <a:lstStyle xmlns:a="http://schemas.openxmlformats.org/drawingml/2006/main"/>
+        <a:p xmlns:a="http://schemas.openxmlformats.org/drawingml/2006/main">
+          <a:endParaRPr lang="zh-CN" altLang="en-US" sz="1100"/>
+        </a:p>
+      </cdr:txBody>
+    </cdr:sp>
+  </cdr:relSizeAnchor>
+  <cdr:relSizeAnchor xmlns:cdr="http://schemas.openxmlformats.org/drawingml/2006/chartDrawing">
+    <cdr:from>
+      <cdr:x>0.81634</cdr:x>
+      <cdr:y>0.16058</cdr:y>
+    </cdr:from>
+    <cdr:to>
+      <cdr:x>0.89598</cdr:x>
+      <cdr:y>0.2062</cdr:y>
+    </cdr:to>
+    <cdr:sp macro="" textlink="">
+      <cdr:nvSpPr>
+        <cdr:cNvPr id="4" name="文本框 3"/>
+        <cdr:cNvSpPr txBox="1"/>
+      </cdr:nvSpPr>
+      <cdr:spPr>
+        <a:xfrm xmlns:a="http://schemas.openxmlformats.org/drawingml/2006/main">
+          <a:off x="9372841" y="1054340"/>
+          <a:ext cx="914400" cy="299529"/>
+        </a:xfrm>
+        <a:prstGeom xmlns:a="http://schemas.openxmlformats.org/drawingml/2006/main" prst="rect">
+          <a:avLst/>
+        </a:prstGeom>
+      </cdr:spPr>
+      <cdr:txBody>
+        <a:bodyPr xmlns:a="http://schemas.openxmlformats.org/drawingml/2006/main" vertOverflow="clip" wrap="none" rtlCol="0"/>
+        <a:lstStyle xmlns:a="http://schemas.openxmlformats.org/drawingml/2006/main"/>
+        <a:p xmlns:a="http://schemas.openxmlformats.org/drawingml/2006/main">
+          <a:endParaRPr lang="zh-CN" altLang="en-US" sz="1100"/>
+        </a:p>
+      </cdr:txBody>
+    </cdr:sp>
+  </cdr:relSizeAnchor>
+</c:userShapes>
+</file>
+
 <file path=ppt/slideLayouts/slideLayout1.xml><?xml version="1.0" encoding="utf-8"?>
 <p:sldLayout xmlns:a="http://schemas.openxmlformats.org/drawingml/2006/main" xmlns:r="http://schemas.openxmlformats.org/officeDocument/2006/relationships" xmlns:p="http://schemas.openxmlformats.org/presentationml/2006/main" type="title" preserve="1">
   <p:cSld name="Title Slide">
@@ -1958,7 +6035,7 @@
           <a:p>
             <a:fld id="{0E167AC2-AADC-BB4A-9B1C-23D18B6CE05A}" type="datetimeFigureOut">
               <a:rPr lang="en-US" smtClean="0"/>
-              <a:t>9/12/18</a:t>
+              <a:t>11/14/2018</a:t>
             </a:fld>
             <a:endParaRPr lang="en-US"/>
           </a:p>
@@ -2156,7 +6233,7 @@
           <a:p>
             <a:fld id="{0E167AC2-AADC-BB4A-9B1C-23D18B6CE05A}" type="datetimeFigureOut">
               <a:rPr lang="en-US" smtClean="0"/>
-              <a:t>9/12/18</a:t>
+              <a:t>11/14/2018</a:t>
             </a:fld>
             <a:endParaRPr lang="en-US"/>
           </a:p>
@@ -2364,7 +6441,7 @@
           <a:p>
             <a:fld id="{0E167AC2-AADC-BB4A-9B1C-23D18B6CE05A}" type="datetimeFigureOut">
               <a:rPr lang="en-US" smtClean="0"/>
-              <a:t>9/12/18</a:t>
+              <a:t>11/14/2018</a:t>
             </a:fld>
             <a:endParaRPr lang="en-US"/>
           </a:p>
@@ -2562,7 +6639,7 @@
           <a:p>
             <a:fld id="{0E167AC2-AADC-BB4A-9B1C-23D18B6CE05A}" type="datetimeFigureOut">
               <a:rPr lang="en-US" smtClean="0"/>
-              <a:t>9/12/18</a:t>
+              <a:t>11/14/2018</a:t>
             </a:fld>
             <a:endParaRPr lang="en-US"/>
           </a:p>
@@ -2837,7 +6914,7 @@
           <a:p>
             <a:fld id="{0E167AC2-AADC-BB4A-9B1C-23D18B6CE05A}" type="datetimeFigureOut">
               <a:rPr lang="en-US" smtClean="0"/>
-              <a:t>9/12/18</a:t>
+              <a:t>11/14/2018</a:t>
             </a:fld>
             <a:endParaRPr lang="en-US"/>
           </a:p>
@@ -3102,7 +7179,7 @@
           <a:p>
             <a:fld id="{0E167AC2-AADC-BB4A-9B1C-23D18B6CE05A}" type="datetimeFigureOut">
               <a:rPr lang="en-US" smtClean="0"/>
-              <a:t>9/12/18</a:t>
+              <a:t>11/14/2018</a:t>
             </a:fld>
             <a:endParaRPr lang="en-US"/>
           </a:p>
@@ -3514,7 +7591,7 @@
           <a:p>
             <a:fld id="{0E167AC2-AADC-BB4A-9B1C-23D18B6CE05A}" type="datetimeFigureOut">
               <a:rPr lang="en-US" smtClean="0"/>
-              <a:t>9/12/18</a:t>
+              <a:t>11/14/2018</a:t>
             </a:fld>
             <a:endParaRPr lang="en-US"/>
           </a:p>
@@ -3655,7 +7732,7 @@
           <a:p>
             <a:fld id="{0E167AC2-AADC-BB4A-9B1C-23D18B6CE05A}" type="datetimeFigureOut">
               <a:rPr lang="en-US" smtClean="0"/>
-              <a:t>9/12/18</a:t>
+              <a:t>11/14/2018</a:t>
             </a:fld>
             <a:endParaRPr lang="en-US"/>
           </a:p>
@@ -3768,7 +7845,7 @@
           <a:p>
             <a:fld id="{0E167AC2-AADC-BB4A-9B1C-23D18B6CE05A}" type="datetimeFigureOut">
               <a:rPr lang="en-US" smtClean="0"/>
-              <a:t>9/12/18</a:t>
+              <a:t>11/14/2018</a:t>
             </a:fld>
             <a:endParaRPr lang="en-US"/>
           </a:p>
@@ -4079,7 +8156,7 @@
           <a:p>
             <a:fld id="{0E167AC2-AADC-BB4A-9B1C-23D18B6CE05A}" type="datetimeFigureOut">
               <a:rPr lang="en-US" smtClean="0"/>
-              <a:t>9/12/18</a:t>
+              <a:t>11/14/2018</a:t>
             </a:fld>
             <a:endParaRPr lang="en-US"/>
           </a:p>
@@ -4367,7 +8444,7 @@
           <a:p>
             <a:fld id="{0E167AC2-AADC-BB4A-9B1C-23D18B6CE05A}" type="datetimeFigureOut">
               <a:rPr lang="en-US" smtClean="0"/>
-              <a:t>9/12/18</a:t>
+              <a:t>11/14/2018</a:t>
             </a:fld>
             <a:endParaRPr lang="en-US"/>
           </a:p>
@@ -4608,7 +8685,7 @@
           <a:p>
             <a:fld id="{0E167AC2-AADC-BB4A-9B1C-23D18B6CE05A}" type="datetimeFigureOut">
               <a:rPr lang="en-US" smtClean="0"/>
-              <a:t>9/12/18</a:t>
+              <a:t>11/14/2018</a:t>
             </a:fld>
             <a:endParaRPr lang="en-US"/>
           </a:p>
@@ -5448,6 +9525,905 @@
 </p:sld>
 </file>
 
+<file path=ppt/slides/slide2.xml><?xml version="1.0" encoding="utf-8"?>
+<p:sld xmlns:a="http://schemas.openxmlformats.org/drawingml/2006/main" xmlns:r="http://schemas.openxmlformats.org/officeDocument/2006/relationships" xmlns:p="http://schemas.openxmlformats.org/presentationml/2006/main">
+  <p:cSld>
+    <p:spTree>
+      <p:nvGrpSpPr>
+        <p:cNvPr id="1" name=""/>
+        <p:cNvGrpSpPr/>
+        <p:nvPr/>
+      </p:nvGrpSpPr>
+      <p:grpSpPr>
+        <a:xfrm>
+          <a:off x="0" y="0"/>
+          <a:ext cx="0" cy="0"/>
+          <a:chOff x="0" y="0"/>
+          <a:chExt cx="0" cy="0"/>
+        </a:xfrm>
+      </p:grpSpPr>
+      <p:graphicFrame>
+        <p:nvGraphicFramePr>
+          <p:cNvPr id="4" name="图表 1">
+            <a:extLst>
+              <a:ext uri="{FF2B5EF4-FFF2-40B4-BE49-F238E27FC236}">
+                <a16:creationId xmlns:a16="http://schemas.microsoft.com/office/drawing/2014/main" id="{00000000-0008-0000-0000-000002000000}"/>
+              </a:ext>
+            </a:extLst>
+          </p:cNvPr>
+          <p:cNvGraphicFramePr>
+            <a:graphicFrameLocks/>
+          </p:cNvGraphicFramePr>
+          <p:nvPr>
+            <p:extLst>
+              <p:ext uri="{D42A27DB-BD31-4B8C-83A1-F6EECF244321}">
+                <p14:modId xmlns:p14="http://schemas.microsoft.com/office/powerpoint/2010/main" val="1974418673"/>
+              </p:ext>
+            </p:extLst>
+          </p:nvPr>
+        </p:nvGraphicFramePr>
+        <p:xfrm>
+          <a:off x="725062" y="-81775"/>
+          <a:ext cx="10741875" cy="7021551"/>
+        </p:xfrm>
+        <a:graphic>
+          <a:graphicData uri="http://schemas.openxmlformats.org/drawingml/2006/chart">
+            <c:chart xmlns:c="http://schemas.openxmlformats.org/drawingml/2006/chart" xmlns:r="http://schemas.openxmlformats.org/officeDocument/2006/relationships" r:id="rId2"/>
+          </a:graphicData>
+        </a:graphic>
+      </p:graphicFrame>
+      <p:sp>
+        <p:nvSpPr>
+          <p:cNvPr id="5" name="TextBox 4">
+            <a:extLst>
+              <a:ext uri="{FF2B5EF4-FFF2-40B4-BE49-F238E27FC236}">
+                <a16:creationId xmlns:a16="http://schemas.microsoft.com/office/drawing/2014/main" id="{91EF98C4-2E0F-2C49-9A85-7561819AB4F2}"/>
+              </a:ext>
+            </a:extLst>
+          </p:cNvPr>
+          <p:cNvSpPr txBox="1"/>
+          <p:nvPr/>
+        </p:nvSpPr>
+        <p:spPr>
+          <a:xfrm>
+            <a:off x="10040888" y="472722"/>
+            <a:ext cx="617477" cy="307777"/>
+          </a:xfrm>
+          <a:prstGeom prst="rect">
+            <a:avLst/>
+          </a:prstGeom>
+          <a:noFill/>
+        </p:spPr>
+        <p:txBody>
+          <a:bodyPr wrap="none" rtlCol="0">
+            <a:spAutoFit/>
+          </a:bodyPr>
+          <a:lstStyle/>
+          <a:p>
+            <a:r>
+              <a:rPr lang="en-US" sz="1400" dirty="0">
+                <a:latin typeface="Arial" panose="020B0604020202020204" pitchFamily="34" charset="0"/>
+                <a:cs typeface="Arial" panose="020B0604020202020204" pitchFamily="34" charset="0"/>
+              </a:rPr>
+              <a:t>N = 1</a:t>
+            </a:r>
+          </a:p>
+        </p:txBody>
+      </p:sp>
+      <p:sp>
+        <p:nvSpPr>
+          <p:cNvPr id="6" name="TextBox 5">
+            <a:extLst>
+              <a:ext uri="{FF2B5EF4-FFF2-40B4-BE49-F238E27FC236}">
+                <a16:creationId xmlns:a16="http://schemas.microsoft.com/office/drawing/2014/main" id="{3DC94DD5-8803-0F4B-9181-849C99CCCA77}"/>
+              </a:ext>
+            </a:extLst>
+          </p:cNvPr>
+          <p:cNvSpPr txBox="1"/>
+          <p:nvPr/>
+        </p:nvSpPr>
+        <p:spPr>
+          <a:xfrm>
+            <a:off x="10040889" y="796017"/>
+            <a:ext cx="617477" cy="307777"/>
+          </a:xfrm>
+          <a:prstGeom prst="rect">
+            <a:avLst/>
+          </a:prstGeom>
+          <a:noFill/>
+        </p:spPr>
+        <p:txBody>
+          <a:bodyPr wrap="none" rtlCol="0">
+            <a:spAutoFit/>
+          </a:bodyPr>
+          <a:lstStyle/>
+          <a:p>
+            <a:r>
+              <a:rPr lang="en-US" sz="1400" dirty="0">
+                <a:latin typeface="Arial" panose="020B0604020202020204" pitchFamily="34" charset="0"/>
+                <a:cs typeface="Arial" panose="020B0604020202020204" pitchFamily="34" charset="0"/>
+              </a:rPr>
+              <a:t>N = 2</a:t>
+            </a:r>
+          </a:p>
+        </p:txBody>
+      </p:sp>
+      <p:sp>
+        <p:nvSpPr>
+          <p:cNvPr id="7" name="TextBox 6">
+            <a:extLst>
+              <a:ext uri="{FF2B5EF4-FFF2-40B4-BE49-F238E27FC236}">
+                <a16:creationId xmlns:a16="http://schemas.microsoft.com/office/drawing/2014/main" id="{8DEA4054-0759-6F45-BA2D-3AC095176CFD}"/>
+              </a:ext>
+            </a:extLst>
+          </p:cNvPr>
+          <p:cNvSpPr txBox="1"/>
+          <p:nvPr/>
+        </p:nvSpPr>
+        <p:spPr>
+          <a:xfrm>
+            <a:off x="10040888" y="1110207"/>
+            <a:ext cx="617477" cy="307777"/>
+          </a:xfrm>
+          <a:prstGeom prst="rect">
+            <a:avLst/>
+          </a:prstGeom>
+          <a:noFill/>
+        </p:spPr>
+        <p:txBody>
+          <a:bodyPr wrap="none" rtlCol="0">
+            <a:spAutoFit/>
+          </a:bodyPr>
+          <a:lstStyle/>
+          <a:p>
+            <a:r>
+              <a:rPr lang="en-US" sz="1400" dirty="0">
+                <a:latin typeface="Arial" panose="020B0604020202020204" pitchFamily="34" charset="0"/>
+                <a:cs typeface="Arial" panose="020B0604020202020204" pitchFamily="34" charset="0"/>
+              </a:rPr>
+              <a:t>N = 3</a:t>
+            </a:r>
+          </a:p>
+        </p:txBody>
+      </p:sp>
+      <p:sp>
+        <p:nvSpPr>
+          <p:cNvPr id="8" name="TextBox 7">
+            <a:extLst>
+              <a:ext uri="{FF2B5EF4-FFF2-40B4-BE49-F238E27FC236}">
+                <a16:creationId xmlns:a16="http://schemas.microsoft.com/office/drawing/2014/main" id="{0B0EDE9E-0A86-B544-A259-2648705B6F07}"/>
+              </a:ext>
+            </a:extLst>
+          </p:cNvPr>
+          <p:cNvSpPr txBox="1"/>
+          <p:nvPr/>
+        </p:nvSpPr>
+        <p:spPr>
+          <a:xfrm>
+            <a:off x="10044125" y="1379613"/>
+            <a:ext cx="617477" cy="307777"/>
+          </a:xfrm>
+          <a:prstGeom prst="rect">
+            <a:avLst/>
+          </a:prstGeom>
+          <a:noFill/>
+        </p:spPr>
+        <p:txBody>
+          <a:bodyPr wrap="none" rtlCol="0">
+            <a:spAutoFit/>
+          </a:bodyPr>
+          <a:lstStyle/>
+          <a:p>
+            <a:r>
+              <a:rPr lang="en-US" sz="1400" dirty="0">
+                <a:latin typeface="Arial" panose="020B0604020202020204" pitchFamily="34" charset="0"/>
+                <a:cs typeface="Arial" panose="020B0604020202020204" pitchFamily="34" charset="0"/>
+              </a:rPr>
+              <a:t>N = 4</a:t>
+            </a:r>
+          </a:p>
+        </p:txBody>
+      </p:sp>
+      <p:sp>
+        <p:nvSpPr>
+          <p:cNvPr id="9" name="TextBox 8">
+            <a:extLst>
+              <a:ext uri="{FF2B5EF4-FFF2-40B4-BE49-F238E27FC236}">
+                <a16:creationId xmlns:a16="http://schemas.microsoft.com/office/drawing/2014/main" id="{F9489200-22C5-EA49-ACD2-8F9854354D44}"/>
+              </a:ext>
+            </a:extLst>
+          </p:cNvPr>
+          <p:cNvSpPr txBox="1"/>
+          <p:nvPr/>
+        </p:nvSpPr>
+        <p:spPr>
+          <a:xfrm>
+            <a:off x="10044125" y="1606731"/>
+            <a:ext cx="617477" cy="307777"/>
+          </a:xfrm>
+          <a:prstGeom prst="rect">
+            <a:avLst/>
+          </a:prstGeom>
+          <a:noFill/>
+        </p:spPr>
+        <p:txBody>
+          <a:bodyPr wrap="none" rtlCol="0">
+            <a:spAutoFit/>
+          </a:bodyPr>
+          <a:lstStyle/>
+          <a:p>
+            <a:r>
+              <a:rPr lang="en-US" sz="1400" dirty="0">
+                <a:latin typeface="Arial" panose="020B0604020202020204" pitchFamily="34" charset="0"/>
+                <a:cs typeface="Arial" panose="020B0604020202020204" pitchFamily="34" charset="0"/>
+              </a:rPr>
+              <a:t>N = 5</a:t>
+            </a:r>
+          </a:p>
+        </p:txBody>
+      </p:sp>
+      <p:sp>
+        <p:nvSpPr>
+          <p:cNvPr id="10" name="TextBox 9">
+            <a:extLst>
+              <a:ext uri="{FF2B5EF4-FFF2-40B4-BE49-F238E27FC236}">
+                <a16:creationId xmlns:a16="http://schemas.microsoft.com/office/drawing/2014/main" id="{92DB8E7A-EA6F-D540-8DFD-58C7BC43B89E}"/>
+              </a:ext>
+            </a:extLst>
+          </p:cNvPr>
+          <p:cNvSpPr txBox="1"/>
+          <p:nvPr/>
+        </p:nvSpPr>
+        <p:spPr>
+          <a:xfrm>
+            <a:off x="10044125" y="1823704"/>
+            <a:ext cx="617477" cy="307777"/>
+          </a:xfrm>
+          <a:prstGeom prst="rect">
+            <a:avLst/>
+          </a:prstGeom>
+          <a:noFill/>
+        </p:spPr>
+        <p:txBody>
+          <a:bodyPr wrap="none" rtlCol="0">
+            <a:spAutoFit/>
+          </a:bodyPr>
+          <a:lstStyle/>
+          <a:p>
+            <a:r>
+              <a:rPr lang="en-US" sz="1400" dirty="0">
+                <a:latin typeface="Arial" panose="020B0604020202020204" pitchFamily="34" charset="0"/>
+                <a:cs typeface="Arial" panose="020B0604020202020204" pitchFamily="34" charset="0"/>
+              </a:rPr>
+              <a:t>N = 6</a:t>
+            </a:r>
+          </a:p>
+        </p:txBody>
+      </p:sp>
+      <p:sp>
+        <p:nvSpPr>
+          <p:cNvPr id="11" name="TextBox 10">
+            <a:extLst>
+              <a:ext uri="{FF2B5EF4-FFF2-40B4-BE49-F238E27FC236}">
+                <a16:creationId xmlns:a16="http://schemas.microsoft.com/office/drawing/2014/main" id="{4E23B4B6-67DE-B249-8F9A-9E298C984F3E}"/>
+              </a:ext>
+            </a:extLst>
+          </p:cNvPr>
+          <p:cNvSpPr txBox="1"/>
+          <p:nvPr/>
+        </p:nvSpPr>
+        <p:spPr>
+          <a:xfrm>
+            <a:off x="10044125" y="2071718"/>
+            <a:ext cx="617477" cy="307777"/>
+          </a:xfrm>
+          <a:prstGeom prst="rect">
+            <a:avLst/>
+          </a:prstGeom>
+          <a:noFill/>
+        </p:spPr>
+        <p:txBody>
+          <a:bodyPr wrap="none" rtlCol="0">
+            <a:spAutoFit/>
+          </a:bodyPr>
+          <a:lstStyle/>
+          <a:p>
+            <a:r>
+              <a:rPr lang="en-US" sz="1400" dirty="0">
+                <a:latin typeface="Arial" panose="020B0604020202020204" pitchFamily="34" charset="0"/>
+                <a:cs typeface="Arial" panose="020B0604020202020204" pitchFamily="34" charset="0"/>
+              </a:rPr>
+              <a:t>N = 7</a:t>
+            </a:r>
+          </a:p>
+        </p:txBody>
+      </p:sp>
+      <p:sp>
+        <p:nvSpPr>
+          <p:cNvPr id="12" name="TextBox 11">
+            <a:extLst>
+              <a:ext uri="{FF2B5EF4-FFF2-40B4-BE49-F238E27FC236}">
+                <a16:creationId xmlns:a16="http://schemas.microsoft.com/office/drawing/2014/main" id="{4E2B5F04-80E2-2341-9B16-87A129CB32E5}"/>
+              </a:ext>
+            </a:extLst>
+          </p:cNvPr>
+          <p:cNvSpPr txBox="1"/>
+          <p:nvPr/>
+        </p:nvSpPr>
+        <p:spPr>
+          <a:xfrm>
+            <a:off x="10044125" y="2292413"/>
+            <a:ext cx="617477" cy="307777"/>
+          </a:xfrm>
+          <a:prstGeom prst="rect">
+            <a:avLst/>
+          </a:prstGeom>
+          <a:noFill/>
+        </p:spPr>
+        <p:txBody>
+          <a:bodyPr wrap="none" rtlCol="0">
+            <a:spAutoFit/>
+          </a:bodyPr>
+          <a:lstStyle/>
+          <a:p>
+            <a:r>
+              <a:rPr lang="en-US" sz="1400" dirty="0">
+                <a:latin typeface="Arial" panose="020B0604020202020204" pitchFamily="34" charset="0"/>
+                <a:cs typeface="Arial" panose="020B0604020202020204" pitchFamily="34" charset="0"/>
+              </a:rPr>
+              <a:t>N = 8</a:t>
+            </a:r>
+          </a:p>
+        </p:txBody>
+      </p:sp>
+      <p:sp>
+        <p:nvSpPr>
+          <p:cNvPr id="13" name="TextBox 12">
+            <a:extLst>
+              <a:ext uri="{FF2B5EF4-FFF2-40B4-BE49-F238E27FC236}">
+                <a16:creationId xmlns:a16="http://schemas.microsoft.com/office/drawing/2014/main" id="{FB39191B-944A-034F-83E4-C68E59EB3659}"/>
+              </a:ext>
+            </a:extLst>
+          </p:cNvPr>
+          <p:cNvSpPr txBox="1"/>
+          <p:nvPr/>
+        </p:nvSpPr>
+        <p:spPr>
+          <a:xfrm>
+            <a:off x="10044125" y="2511642"/>
+            <a:ext cx="617477" cy="307777"/>
+          </a:xfrm>
+          <a:prstGeom prst="rect">
+            <a:avLst/>
+          </a:prstGeom>
+          <a:noFill/>
+        </p:spPr>
+        <p:txBody>
+          <a:bodyPr wrap="none" rtlCol="0">
+            <a:spAutoFit/>
+          </a:bodyPr>
+          <a:lstStyle/>
+          <a:p>
+            <a:r>
+              <a:rPr lang="en-US" sz="1400" dirty="0">
+                <a:latin typeface="Arial" panose="020B0604020202020204" pitchFamily="34" charset="0"/>
+                <a:cs typeface="Arial" panose="020B0604020202020204" pitchFamily="34" charset="0"/>
+              </a:rPr>
+              <a:t>N = 9</a:t>
+            </a:r>
+          </a:p>
+        </p:txBody>
+      </p:sp>
+      <p:sp>
+        <p:nvSpPr>
+          <p:cNvPr id="14" name="TextBox 13">
+            <a:extLst>
+              <a:ext uri="{FF2B5EF4-FFF2-40B4-BE49-F238E27FC236}">
+                <a16:creationId xmlns:a16="http://schemas.microsoft.com/office/drawing/2014/main" id="{5CCEBE6F-8D36-C845-B7AC-72E2E6A0A04E}"/>
+              </a:ext>
+            </a:extLst>
+          </p:cNvPr>
+          <p:cNvSpPr txBox="1"/>
+          <p:nvPr/>
+        </p:nvSpPr>
+        <p:spPr>
+          <a:xfrm>
+            <a:off x="10044125" y="2741217"/>
+            <a:ext cx="716863" cy="307777"/>
+          </a:xfrm>
+          <a:prstGeom prst="rect">
+            <a:avLst/>
+          </a:prstGeom>
+          <a:noFill/>
+        </p:spPr>
+        <p:txBody>
+          <a:bodyPr wrap="none" rtlCol="0">
+            <a:spAutoFit/>
+          </a:bodyPr>
+          <a:lstStyle/>
+          <a:p>
+            <a:r>
+              <a:rPr lang="en-US" sz="1400" dirty="0">
+                <a:latin typeface="Arial" panose="020B0604020202020204" pitchFamily="34" charset="0"/>
+                <a:cs typeface="Arial" panose="020B0604020202020204" pitchFamily="34" charset="0"/>
+              </a:rPr>
+              <a:t>N = 10</a:t>
+            </a:r>
+          </a:p>
+        </p:txBody>
+      </p:sp>
+    </p:spTree>
+    <p:extLst>
+      <p:ext uri="{BB962C8B-B14F-4D97-AF65-F5344CB8AC3E}">
+        <p14:creationId xmlns:p14="http://schemas.microsoft.com/office/powerpoint/2010/main" val="3548060778"/>
+      </p:ext>
+    </p:extLst>
+  </p:cSld>
+  <p:clrMapOvr>
+    <a:masterClrMapping/>
+  </p:clrMapOvr>
+</p:sld>
+</file>
+
+<file path=ppt/slides/slide3.xml><?xml version="1.0" encoding="utf-8"?>
+<p:sld xmlns:a="http://schemas.openxmlformats.org/drawingml/2006/main" xmlns:r="http://schemas.openxmlformats.org/officeDocument/2006/relationships" xmlns:p="http://schemas.openxmlformats.org/presentationml/2006/main">
+  <p:cSld>
+    <p:spTree>
+      <p:nvGrpSpPr>
+        <p:cNvPr id="1" name=""/>
+        <p:cNvGrpSpPr/>
+        <p:nvPr/>
+      </p:nvGrpSpPr>
+      <p:grpSpPr>
+        <a:xfrm>
+          <a:off x="0" y="0"/>
+          <a:ext cx="0" cy="0"/>
+          <a:chOff x="0" y="0"/>
+          <a:chExt cx="0" cy="0"/>
+        </a:xfrm>
+      </p:grpSpPr>
+      <p:sp>
+        <p:nvSpPr>
+          <p:cNvPr id="6" name="TextBox 5">
+            <a:extLst>
+              <a:ext uri="{FF2B5EF4-FFF2-40B4-BE49-F238E27FC236}">
+                <a16:creationId xmlns:a16="http://schemas.microsoft.com/office/drawing/2014/main" id="{3DC94DD5-8803-0F4B-9181-849C99CCCA77}"/>
+              </a:ext>
+            </a:extLst>
+          </p:cNvPr>
+          <p:cNvSpPr txBox="1"/>
+          <p:nvPr/>
+        </p:nvSpPr>
+        <p:spPr>
+          <a:xfrm>
+            <a:off x="9990098" y="1312210"/>
+            <a:ext cx="617477" cy="307777"/>
+          </a:xfrm>
+          <a:prstGeom prst="rect">
+            <a:avLst/>
+          </a:prstGeom>
+          <a:noFill/>
+        </p:spPr>
+        <p:txBody>
+          <a:bodyPr wrap="none" rtlCol="0">
+            <a:spAutoFit/>
+          </a:bodyPr>
+          <a:lstStyle/>
+          <a:p>
+            <a:r>
+              <a:rPr lang="en-US" sz="1400" dirty="0">
+                <a:latin typeface="Arial" panose="020B0604020202020204" pitchFamily="34" charset="0"/>
+                <a:cs typeface="Arial" panose="020B0604020202020204" pitchFamily="34" charset="0"/>
+              </a:rPr>
+              <a:t>N = 2</a:t>
+            </a:r>
+          </a:p>
+        </p:txBody>
+      </p:sp>
+      <p:sp>
+        <p:nvSpPr>
+          <p:cNvPr id="7" name="TextBox 6">
+            <a:extLst>
+              <a:ext uri="{FF2B5EF4-FFF2-40B4-BE49-F238E27FC236}">
+                <a16:creationId xmlns:a16="http://schemas.microsoft.com/office/drawing/2014/main" id="{8DEA4054-0759-6F45-BA2D-3AC095176CFD}"/>
+              </a:ext>
+            </a:extLst>
+          </p:cNvPr>
+          <p:cNvSpPr txBox="1"/>
+          <p:nvPr/>
+        </p:nvSpPr>
+        <p:spPr>
+          <a:xfrm>
+            <a:off x="9990097" y="1785238"/>
+            <a:ext cx="617477" cy="307777"/>
+          </a:xfrm>
+          <a:prstGeom prst="rect">
+            <a:avLst/>
+          </a:prstGeom>
+          <a:noFill/>
+        </p:spPr>
+        <p:txBody>
+          <a:bodyPr wrap="none" rtlCol="0">
+            <a:spAutoFit/>
+          </a:bodyPr>
+          <a:lstStyle/>
+          <a:p>
+            <a:r>
+              <a:rPr lang="en-US" sz="1400" dirty="0">
+                <a:latin typeface="Arial" panose="020B0604020202020204" pitchFamily="34" charset="0"/>
+                <a:cs typeface="Arial" panose="020B0604020202020204" pitchFamily="34" charset="0"/>
+              </a:rPr>
+              <a:t>N = 3</a:t>
+            </a:r>
+          </a:p>
+        </p:txBody>
+      </p:sp>
+      <p:sp>
+        <p:nvSpPr>
+          <p:cNvPr id="8" name="TextBox 7">
+            <a:extLst>
+              <a:ext uri="{FF2B5EF4-FFF2-40B4-BE49-F238E27FC236}">
+                <a16:creationId xmlns:a16="http://schemas.microsoft.com/office/drawing/2014/main" id="{0B0EDE9E-0A86-B544-A259-2648705B6F07}"/>
+              </a:ext>
+            </a:extLst>
+          </p:cNvPr>
+          <p:cNvSpPr txBox="1"/>
+          <p:nvPr/>
+        </p:nvSpPr>
+        <p:spPr>
+          <a:xfrm>
+            <a:off x="9979686" y="2290285"/>
+            <a:ext cx="617477" cy="307777"/>
+          </a:xfrm>
+          <a:prstGeom prst="rect">
+            <a:avLst/>
+          </a:prstGeom>
+          <a:noFill/>
+        </p:spPr>
+        <p:txBody>
+          <a:bodyPr wrap="none" rtlCol="0">
+            <a:spAutoFit/>
+          </a:bodyPr>
+          <a:lstStyle/>
+          <a:p>
+            <a:r>
+              <a:rPr lang="en-US" sz="1400" dirty="0">
+                <a:latin typeface="Arial" panose="020B0604020202020204" pitchFamily="34" charset="0"/>
+                <a:cs typeface="Arial" panose="020B0604020202020204" pitchFamily="34" charset="0"/>
+              </a:rPr>
+              <a:t>N = 4</a:t>
+            </a:r>
+          </a:p>
+        </p:txBody>
+      </p:sp>
+      <p:sp>
+        <p:nvSpPr>
+          <p:cNvPr id="9" name="TextBox 8">
+            <a:extLst>
+              <a:ext uri="{FF2B5EF4-FFF2-40B4-BE49-F238E27FC236}">
+                <a16:creationId xmlns:a16="http://schemas.microsoft.com/office/drawing/2014/main" id="{F9489200-22C5-EA49-ACD2-8F9854354D44}"/>
+              </a:ext>
+            </a:extLst>
+          </p:cNvPr>
+          <p:cNvSpPr txBox="1"/>
+          <p:nvPr/>
+        </p:nvSpPr>
+        <p:spPr>
+          <a:xfrm>
+            <a:off x="9979685" y="2675408"/>
+            <a:ext cx="617477" cy="307777"/>
+          </a:xfrm>
+          <a:prstGeom prst="rect">
+            <a:avLst/>
+          </a:prstGeom>
+          <a:noFill/>
+        </p:spPr>
+        <p:txBody>
+          <a:bodyPr wrap="none" rtlCol="0">
+            <a:spAutoFit/>
+          </a:bodyPr>
+          <a:lstStyle/>
+          <a:p>
+            <a:r>
+              <a:rPr lang="en-US" sz="1400" dirty="0">
+                <a:latin typeface="Arial" panose="020B0604020202020204" pitchFamily="34" charset="0"/>
+                <a:cs typeface="Arial" panose="020B0604020202020204" pitchFamily="34" charset="0"/>
+              </a:rPr>
+              <a:t>N = 5</a:t>
+            </a:r>
+          </a:p>
+        </p:txBody>
+      </p:sp>
+      <p:sp>
+        <p:nvSpPr>
+          <p:cNvPr id="10" name="TextBox 9">
+            <a:extLst>
+              <a:ext uri="{FF2B5EF4-FFF2-40B4-BE49-F238E27FC236}">
+                <a16:creationId xmlns:a16="http://schemas.microsoft.com/office/drawing/2014/main" id="{92DB8E7A-EA6F-D540-8DFD-58C7BC43B89E}"/>
+              </a:ext>
+            </a:extLst>
+          </p:cNvPr>
+          <p:cNvSpPr txBox="1"/>
+          <p:nvPr/>
+        </p:nvSpPr>
+        <p:spPr>
+          <a:xfrm>
+            <a:off x="9993334" y="3213984"/>
+            <a:ext cx="617477" cy="307777"/>
+          </a:xfrm>
+          <a:prstGeom prst="rect">
+            <a:avLst/>
+          </a:prstGeom>
+          <a:noFill/>
+        </p:spPr>
+        <p:txBody>
+          <a:bodyPr wrap="none" rtlCol="0">
+            <a:spAutoFit/>
+          </a:bodyPr>
+          <a:lstStyle/>
+          <a:p>
+            <a:r>
+              <a:rPr lang="en-US" sz="1400" dirty="0">
+                <a:latin typeface="Arial" panose="020B0604020202020204" pitchFamily="34" charset="0"/>
+                <a:cs typeface="Arial" panose="020B0604020202020204" pitchFamily="34" charset="0"/>
+              </a:rPr>
+              <a:t>N = 6</a:t>
+            </a:r>
+          </a:p>
+        </p:txBody>
+      </p:sp>
+      <p:sp>
+        <p:nvSpPr>
+          <p:cNvPr id="11" name="TextBox 10">
+            <a:extLst>
+              <a:ext uri="{FF2B5EF4-FFF2-40B4-BE49-F238E27FC236}">
+                <a16:creationId xmlns:a16="http://schemas.microsoft.com/office/drawing/2014/main" id="{4E23B4B6-67DE-B249-8F9A-9E298C984F3E}"/>
+              </a:ext>
+            </a:extLst>
+          </p:cNvPr>
+          <p:cNvSpPr txBox="1"/>
+          <p:nvPr/>
+        </p:nvSpPr>
+        <p:spPr>
+          <a:xfrm>
+            <a:off x="9993334" y="3690405"/>
+            <a:ext cx="617477" cy="307777"/>
+          </a:xfrm>
+          <a:prstGeom prst="rect">
+            <a:avLst/>
+          </a:prstGeom>
+          <a:noFill/>
+        </p:spPr>
+        <p:txBody>
+          <a:bodyPr wrap="none" rtlCol="0">
+            <a:spAutoFit/>
+          </a:bodyPr>
+          <a:lstStyle/>
+          <a:p>
+            <a:r>
+              <a:rPr lang="en-US" sz="1400" dirty="0">
+                <a:latin typeface="Arial" panose="020B0604020202020204" pitchFamily="34" charset="0"/>
+                <a:cs typeface="Arial" panose="020B0604020202020204" pitchFamily="34" charset="0"/>
+              </a:rPr>
+              <a:t>N = 7</a:t>
+            </a:r>
+          </a:p>
+        </p:txBody>
+      </p:sp>
+      <p:sp>
+        <p:nvSpPr>
+          <p:cNvPr id="12" name="TextBox 11">
+            <a:extLst>
+              <a:ext uri="{FF2B5EF4-FFF2-40B4-BE49-F238E27FC236}">
+                <a16:creationId xmlns:a16="http://schemas.microsoft.com/office/drawing/2014/main" id="{4E2B5F04-80E2-2341-9B16-87A129CB32E5}"/>
+              </a:ext>
+            </a:extLst>
+          </p:cNvPr>
+          <p:cNvSpPr txBox="1"/>
+          <p:nvPr/>
+        </p:nvSpPr>
+        <p:spPr>
+          <a:xfrm>
+            <a:off x="9990097" y="4074207"/>
+            <a:ext cx="617477" cy="307777"/>
+          </a:xfrm>
+          <a:prstGeom prst="rect">
+            <a:avLst/>
+          </a:prstGeom>
+          <a:noFill/>
+        </p:spPr>
+        <p:txBody>
+          <a:bodyPr wrap="none" rtlCol="0">
+            <a:spAutoFit/>
+          </a:bodyPr>
+          <a:lstStyle/>
+          <a:p>
+            <a:r>
+              <a:rPr lang="en-US" sz="1400" dirty="0">
+                <a:latin typeface="Arial" panose="020B0604020202020204" pitchFamily="34" charset="0"/>
+                <a:cs typeface="Arial" panose="020B0604020202020204" pitchFamily="34" charset="0"/>
+              </a:rPr>
+              <a:t>N = 8</a:t>
+            </a:r>
+          </a:p>
+        </p:txBody>
+      </p:sp>
+      <p:sp>
+        <p:nvSpPr>
+          <p:cNvPr id="13" name="TextBox 12">
+            <a:extLst>
+              <a:ext uri="{FF2B5EF4-FFF2-40B4-BE49-F238E27FC236}">
+                <a16:creationId xmlns:a16="http://schemas.microsoft.com/office/drawing/2014/main" id="{FB39191B-944A-034F-83E4-C68E59EB3659}"/>
+              </a:ext>
+            </a:extLst>
+          </p:cNvPr>
+          <p:cNvSpPr txBox="1"/>
+          <p:nvPr/>
+        </p:nvSpPr>
+        <p:spPr>
+          <a:xfrm>
+            <a:off x="9990097" y="4481939"/>
+            <a:ext cx="617477" cy="307777"/>
+          </a:xfrm>
+          <a:prstGeom prst="rect">
+            <a:avLst/>
+          </a:prstGeom>
+          <a:noFill/>
+        </p:spPr>
+        <p:txBody>
+          <a:bodyPr wrap="none" rtlCol="0">
+            <a:spAutoFit/>
+          </a:bodyPr>
+          <a:lstStyle/>
+          <a:p>
+            <a:r>
+              <a:rPr lang="en-US" sz="1400" dirty="0">
+                <a:latin typeface="Arial" panose="020B0604020202020204" pitchFamily="34" charset="0"/>
+                <a:cs typeface="Arial" panose="020B0604020202020204" pitchFamily="34" charset="0"/>
+              </a:rPr>
+              <a:t>N = 9</a:t>
+            </a:r>
+          </a:p>
+        </p:txBody>
+      </p:sp>
+      <p:sp>
+        <p:nvSpPr>
+          <p:cNvPr id="2" name="TextBox 1">
+            <a:extLst>
+              <a:ext uri="{FF2B5EF4-FFF2-40B4-BE49-F238E27FC236}">
+                <a16:creationId xmlns:a16="http://schemas.microsoft.com/office/drawing/2014/main" id="{A68756C5-C6E7-4DC3-9B6E-E962B5D66AD6}"/>
+              </a:ext>
+            </a:extLst>
+          </p:cNvPr>
+          <p:cNvSpPr txBox="1"/>
+          <p:nvPr/>
+        </p:nvSpPr>
+        <p:spPr>
+          <a:xfrm>
+            <a:off x="1298681" y="3010429"/>
+            <a:ext cx="1511183" cy="830997"/>
+          </a:xfrm>
+          <a:prstGeom prst="rect">
+            <a:avLst/>
+          </a:prstGeom>
+          <a:noFill/>
+        </p:spPr>
+        <p:txBody>
+          <a:bodyPr wrap="none" rtlCol="0">
+            <a:spAutoFit/>
+          </a:bodyPr>
+          <a:lstStyle/>
+          <a:p>
+            <a:pPr algn="ctr"/>
+            <a:r>
+              <a:rPr lang="en-US" sz="2400" b="1" dirty="0" err="1">
+                <a:latin typeface="Arial" panose="020B0604020202020204" pitchFamily="34" charset="0"/>
+                <a:cs typeface="Arial" panose="020B0604020202020204" pitchFamily="34" charset="0"/>
+              </a:rPr>
+              <a:t>logP</a:t>
+            </a:r>
+            <a:r>
+              <a:rPr lang="en-US" sz="2400" b="1" dirty="0">
+                <a:latin typeface="Arial" panose="020B0604020202020204" pitchFamily="34" charset="0"/>
+                <a:cs typeface="Arial" panose="020B0604020202020204" pitchFamily="34" charset="0"/>
+              </a:rPr>
+              <a:t> (Pa)</a:t>
+            </a:r>
+          </a:p>
+          <a:p>
+            <a:pPr algn="ctr"/>
+            <a:r>
+              <a:rPr lang="en-US" sz="2400" b="1" dirty="0">
+                <a:latin typeface="Arial" panose="020B0604020202020204" pitchFamily="34" charset="0"/>
+                <a:cs typeface="Arial" panose="020B0604020202020204" pitchFamily="34" charset="0"/>
+              </a:rPr>
+              <a:t>PS</a:t>
+            </a:r>
+          </a:p>
+        </p:txBody>
+      </p:sp>
+      <p:graphicFrame>
+        <p:nvGraphicFramePr>
+          <p:cNvPr id="14" name="图表 10">
+            <a:extLst>
+              <a:ext uri="{FF2B5EF4-FFF2-40B4-BE49-F238E27FC236}">
+                <a16:creationId xmlns:a16="http://schemas.microsoft.com/office/drawing/2014/main" id="{00000000-0008-0000-0000-00000B000000}"/>
+              </a:ext>
+            </a:extLst>
+          </p:cNvPr>
+          <p:cNvGraphicFramePr>
+            <a:graphicFrameLocks/>
+          </p:cNvGraphicFramePr>
+          <p:nvPr>
+            <p:extLst>
+              <p:ext uri="{D42A27DB-BD31-4B8C-83A1-F6EECF244321}">
+                <p14:modId xmlns:p14="http://schemas.microsoft.com/office/powerpoint/2010/main" val="2579442169"/>
+              </p:ext>
+            </p:extLst>
+          </p:nvPr>
+        </p:nvGraphicFramePr>
+        <p:xfrm>
+          <a:off x="2898648" y="72567"/>
+          <a:ext cx="8366760" cy="6912864"/>
+        </p:xfrm>
+        <a:graphic>
+          <a:graphicData uri="http://schemas.openxmlformats.org/drawingml/2006/chart">
+            <c:chart xmlns:c="http://schemas.openxmlformats.org/drawingml/2006/chart" xmlns:r="http://schemas.openxmlformats.org/officeDocument/2006/relationships" r:id="rId2"/>
+          </a:graphicData>
+        </a:graphic>
+      </p:graphicFrame>
+      <p:sp>
+        <p:nvSpPr>
+          <p:cNvPr id="17" name="TextBox 16">
+            <a:extLst>
+              <a:ext uri="{FF2B5EF4-FFF2-40B4-BE49-F238E27FC236}">
+                <a16:creationId xmlns:a16="http://schemas.microsoft.com/office/drawing/2014/main" id="{4FD59E78-2048-4032-8C03-D58FAAB2509C}"/>
+              </a:ext>
+            </a:extLst>
+          </p:cNvPr>
+          <p:cNvSpPr txBox="1"/>
+          <p:nvPr/>
+        </p:nvSpPr>
+        <p:spPr>
+          <a:xfrm>
+            <a:off x="10082002" y="6062468"/>
+            <a:ext cx="885179" cy="461665"/>
+          </a:xfrm>
+          <a:prstGeom prst="rect">
+            <a:avLst/>
+          </a:prstGeom>
+          <a:noFill/>
+        </p:spPr>
+        <p:txBody>
+          <a:bodyPr wrap="none" rtlCol="0">
+            <a:spAutoFit/>
+          </a:bodyPr>
+          <a:lstStyle/>
+          <a:p>
+            <a:pPr algn="ctr"/>
+            <a:r>
+              <a:rPr lang="en-US" sz="2400" b="1" dirty="0">
+                <a:latin typeface="Arial" panose="020B0604020202020204" pitchFamily="34" charset="0"/>
+                <a:cs typeface="Arial" panose="020B0604020202020204" pitchFamily="34" charset="0"/>
+              </a:rPr>
+              <a:t>T (K)</a:t>
+            </a:r>
+          </a:p>
+        </p:txBody>
+      </p:sp>
+    </p:spTree>
+    <p:extLst>
+      <p:ext uri="{BB962C8B-B14F-4D97-AF65-F5344CB8AC3E}">
+        <p14:creationId xmlns:p14="http://schemas.microsoft.com/office/powerpoint/2010/main" val="2029447859"/>
+      </p:ext>
+    </p:extLst>
+  </p:cSld>
+  <p:clrMapOvr>
+    <a:masterClrMapping/>
+  </p:clrMapOvr>
+</p:sld>
+</file>
+
 <file path=ppt/theme/theme1.xml><?xml version="1.0" encoding="utf-8"?>
 <a:theme xmlns:a="http://schemas.openxmlformats.org/drawingml/2006/main" name="Office Theme">
   <a:themeElements>
